--- a/Presentation.pptx
+++ b/Presentation.pptx
@@ -2,7 +2,7 @@
 <file path=ppt/presentation.xml><?xml version="1.0" encoding="utf-8"?>
 <p:presentation xmlns:a="http://schemas.openxmlformats.org/drawingml/2006/main" xmlns:r="http://schemas.openxmlformats.org/officeDocument/2006/relationships" xmlns:p="http://schemas.openxmlformats.org/presentationml/2006/main" saveSubsetFonts="1">
   <p:sldMasterIdLst>
-    <p:sldMasterId id="2147483648" r:id="rId1"/>
+    <p:sldMasterId id="2147483719" r:id="rId1"/>
   </p:sldMasterIdLst>
   <p:sldIdLst>
     <p:sldId id="256" r:id="rId2"/>
@@ -108,6 +108,11 @@
       </a:defRPr>
     </a:lvl9pPr>
   </p:defaultTextStyle>
+  <p:extLst>
+    <p:ext uri="{EFAFB233-063F-42B5-8137-9DF3F51BA10A}">
+      <p15:sldGuideLst xmlns:p15="http://schemas.microsoft.com/office/powerpoint/2012/main"/>
+    </p:ext>
+  </p:extLst>
 </p:presentation>
 </file>
 
@@ -133,7 +138,7 @@
           <p:cNvPr id="2" name="Title 1">
             <a:extLst>
               <a:ext uri="{FF2B5EF4-FFF2-40B4-BE49-F238E27FC236}">
-                <a16:creationId xmlns:a16="http://schemas.microsoft.com/office/drawing/2014/main" id="{62F94F39-967D-46C2-ABD8-288F522EAC38}"/>
+                <a16:creationId xmlns:a16="http://schemas.microsoft.com/office/drawing/2014/main" id="{E0E94315-443C-4D09-90EA-4733AD023276}"/>
               </a:ext>
             </a:extLst>
           </p:cNvPr>
@@ -171,7 +176,7 @@
           <p:cNvPr id="3" name="Subtitle 2">
             <a:extLst>
               <a:ext uri="{FF2B5EF4-FFF2-40B4-BE49-F238E27FC236}">
-                <a16:creationId xmlns:a16="http://schemas.microsoft.com/office/drawing/2014/main" id="{5773DDB6-BD79-4BBB-AF48-24E30001C66F}"/>
+                <a16:creationId xmlns:a16="http://schemas.microsoft.com/office/drawing/2014/main" id="{0862F16D-548D-454F-A116-31AEE0748594}"/>
               </a:ext>
             </a:extLst>
           </p:cNvPr>
@@ -242,7 +247,7 @@
           <p:cNvPr id="4" name="Date Placeholder 3">
             <a:extLst>
               <a:ext uri="{FF2B5EF4-FFF2-40B4-BE49-F238E27FC236}">
-                <a16:creationId xmlns:a16="http://schemas.microsoft.com/office/drawing/2014/main" id="{E4021C02-D0E0-4303-90B1-A23B54211137}"/>
+                <a16:creationId xmlns:a16="http://schemas.microsoft.com/office/drawing/2014/main" id="{AA5FE4C2-7A86-41D7-B611-DF214BB696A3}"/>
               </a:ext>
             </a:extLst>
           </p:cNvPr>
@@ -271,7 +276,7 @@
           <p:cNvPr id="5" name="Footer Placeholder 4">
             <a:extLst>
               <a:ext uri="{FF2B5EF4-FFF2-40B4-BE49-F238E27FC236}">
-                <a16:creationId xmlns:a16="http://schemas.microsoft.com/office/drawing/2014/main" id="{8F4E2EE7-3DB8-4983-A5D4-DAFEF8BECCA9}"/>
+                <a16:creationId xmlns:a16="http://schemas.microsoft.com/office/drawing/2014/main" id="{FCABD60D-CDED-4BDA-8BDB-CA3AC73B1888}"/>
               </a:ext>
             </a:extLst>
           </p:cNvPr>
@@ -296,7 +301,7 @@
           <p:cNvPr id="6" name="Slide Number Placeholder 5">
             <a:extLst>
               <a:ext uri="{FF2B5EF4-FFF2-40B4-BE49-F238E27FC236}">
-                <a16:creationId xmlns:a16="http://schemas.microsoft.com/office/drawing/2014/main" id="{E1110AB8-7263-4055-BCB9-78342D75FB9D}"/>
+                <a16:creationId xmlns:a16="http://schemas.microsoft.com/office/drawing/2014/main" id="{2E7B743D-6740-46F9-8A14-C7DE4061331E}"/>
               </a:ext>
             </a:extLst>
           </p:cNvPr>
@@ -323,13 +328,18 @@
     </p:spTree>
     <p:extLst>
       <p:ext uri="{BB962C8B-B14F-4D97-AF65-F5344CB8AC3E}">
-        <p14:creationId xmlns:p14="http://schemas.microsoft.com/office/powerpoint/2010/main" val="56687581"/>
+        <p14:creationId xmlns:p14="http://schemas.microsoft.com/office/powerpoint/2010/main" val="19604010"/>
       </p:ext>
     </p:extLst>
   </p:cSld>
   <p:clrMapOvr>
     <a:masterClrMapping/>
   </p:clrMapOvr>
+  <p:extLst>
+    <p:ext uri="{DCECCB84-F9BA-43D5-87BE-67443E8EF086}">
+      <p15:sldGuideLst xmlns:p15="http://schemas.microsoft.com/office/powerpoint/2012/main"/>
+    </p:ext>
+  </p:extLst>
 </p:sldLayout>
 </file>
 
@@ -355,7 +365,7 @@
           <p:cNvPr id="2" name="Title 1">
             <a:extLst>
               <a:ext uri="{FF2B5EF4-FFF2-40B4-BE49-F238E27FC236}">
-                <a16:creationId xmlns:a16="http://schemas.microsoft.com/office/drawing/2014/main" id="{DD6F8E49-1E19-4185-BBFC-B6C9CC93957F}"/>
+                <a16:creationId xmlns:a16="http://schemas.microsoft.com/office/drawing/2014/main" id="{3D39CAB5-C821-4676-87A2-2164369AC7F3}"/>
               </a:ext>
             </a:extLst>
           </p:cNvPr>
@@ -384,7 +394,7 @@
           <p:cNvPr id="3" name="Vertical Text Placeholder 2">
             <a:extLst>
               <a:ext uri="{FF2B5EF4-FFF2-40B4-BE49-F238E27FC236}">
-                <a16:creationId xmlns:a16="http://schemas.microsoft.com/office/drawing/2014/main" id="{FFDA918E-3844-4D01-BF36-9EA1C3884C64}"/>
+                <a16:creationId xmlns:a16="http://schemas.microsoft.com/office/drawing/2014/main" id="{A9ECC05E-72DB-4A2F-AC54-676716C2EC35}"/>
               </a:ext>
             </a:extLst>
           </p:cNvPr>
@@ -442,7 +452,7 @@
           <p:cNvPr id="4" name="Date Placeholder 3">
             <a:extLst>
               <a:ext uri="{FF2B5EF4-FFF2-40B4-BE49-F238E27FC236}">
-                <a16:creationId xmlns:a16="http://schemas.microsoft.com/office/drawing/2014/main" id="{209C238F-E491-4504-98F1-F9C8D95C2D6D}"/>
+                <a16:creationId xmlns:a16="http://schemas.microsoft.com/office/drawing/2014/main" id="{08766FEE-C46E-4E9E-A04F-3198A41539B8}"/>
               </a:ext>
             </a:extLst>
           </p:cNvPr>
@@ -471,7 +481,7 @@
           <p:cNvPr id="5" name="Footer Placeholder 4">
             <a:extLst>
               <a:ext uri="{FF2B5EF4-FFF2-40B4-BE49-F238E27FC236}">
-                <a16:creationId xmlns:a16="http://schemas.microsoft.com/office/drawing/2014/main" id="{58D1DEFC-761D-4140-AC7E-A9CEC529ECF3}"/>
+                <a16:creationId xmlns:a16="http://schemas.microsoft.com/office/drawing/2014/main" id="{C1585CB6-3AEC-47AE-BA1D-7ABF58526501}"/>
               </a:ext>
             </a:extLst>
           </p:cNvPr>
@@ -496,7 +506,7 @@
           <p:cNvPr id="6" name="Slide Number Placeholder 5">
             <a:extLst>
               <a:ext uri="{FF2B5EF4-FFF2-40B4-BE49-F238E27FC236}">
-                <a16:creationId xmlns:a16="http://schemas.microsoft.com/office/drawing/2014/main" id="{AE56503B-6394-447B-9897-2B8E0D7AF47A}"/>
+                <a16:creationId xmlns:a16="http://schemas.microsoft.com/office/drawing/2014/main" id="{1EDF1CEB-2CC8-4707-9CEE-17982D792A8D}"/>
               </a:ext>
             </a:extLst>
           </p:cNvPr>
@@ -523,7 +533,7 @@
     </p:spTree>
     <p:extLst>
       <p:ext uri="{BB962C8B-B14F-4D97-AF65-F5344CB8AC3E}">
-        <p14:creationId xmlns:p14="http://schemas.microsoft.com/office/powerpoint/2010/main" val="899831692"/>
+        <p14:creationId xmlns:p14="http://schemas.microsoft.com/office/powerpoint/2010/main" val="2342897397"/>
       </p:ext>
     </p:extLst>
   </p:cSld>
@@ -555,7 +565,7 @@
           <p:cNvPr id="2" name="Vertical Title 1">
             <a:extLst>
               <a:ext uri="{FF2B5EF4-FFF2-40B4-BE49-F238E27FC236}">
-                <a16:creationId xmlns:a16="http://schemas.microsoft.com/office/drawing/2014/main" id="{D16AC6A5-A774-4464-AB40-84B2EECFE6A7}"/>
+                <a16:creationId xmlns:a16="http://schemas.microsoft.com/office/drawing/2014/main" id="{319F208D-ED37-4545-802B-6AC0E4E3F04C}"/>
               </a:ext>
             </a:extLst>
           </p:cNvPr>
@@ -589,7 +599,7 @@
           <p:cNvPr id="3" name="Vertical Text Placeholder 2">
             <a:extLst>
               <a:ext uri="{FF2B5EF4-FFF2-40B4-BE49-F238E27FC236}">
-                <a16:creationId xmlns:a16="http://schemas.microsoft.com/office/drawing/2014/main" id="{DC6E584F-E884-4658-BA0B-827CA76C9F85}"/>
+                <a16:creationId xmlns:a16="http://schemas.microsoft.com/office/drawing/2014/main" id="{0BBC7A52-A8F1-46E6-A68D-7085FB7A1763}"/>
               </a:ext>
             </a:extLst>
           </p:cNvPr>
@@ -652,7 +662,7 @@
           <p:cNvPr id="4" name="Date Placeholder 3">
             <a:extLst>
               <a:ext uri="{FF2B5EF4-FFF2-40B4-BE49-F238E27FC236}">
-                <a16:creationId xmlns:a16="http://schemas.microsoft.com/office/drawing/2014/main" id="{3915CA16-599E-409B-9758-66D2197F44AD}"/>
+                <a16:creationId xmlns:a16="http://schemas.microsoft.com/office/drawing/2014/main" id="{1683329C-710B-4E7B-B469-F3B61E312B20}"/>
               </a:ext>
             </a:extLst>
           </p:cNvPr>
@@ -681,7 +691,7 @@
           <p:cNvPr id="5" name="Footer Placeholder 4">
             <a:extLst>
               <a:ext uri="{FF2B5EF4-FFF2-40B4-BE49-F238E27FC236}">
-                <a16:creationId xmlns:a16="http://schemas.microsoft.com/office/drawing/2014/main" id="{8BACD2C5-403E-424A-8990-06D7A2EEA7D9}"/>
+                <a16:creationId xmlns:a16="http://schemas.microsoft.com/office/drawing/2014/main" id="{39B25225-40A5-4317-A66C-1A456AB99F28}"/>
               </a:ext>
             </a:extLst>
           </p:cNvPr>
@@ -706,7 +716,7 @@
           <p:cNvPr id="6" name="Slide Number Placeholder 5">
             <a:extLst>
               <a:ext uri="{FF2B5EF4-FFF2-40B4-BE49-F238E27FC236}">
-                <a16:creationId xmlns:a16="http://schemas.microsoft.com/office/drawing/2014/main" id="{688742F7-079E-4955-9B33-8AD50430A621}"/>
+                <a16:creationId xmlns:a16="http://schemas.microsoft.com/office/drawing/2014/main" id="{590A8EB2-9D04-4208-BDF6-48F0F3EDA361}"/>
               </a:ext>
             </a:extLst>
           </p:cNvPr>
@@ -733,7 +743,7 @@
     </p:spTree>
     <p:extLst>
       <p:ext uri="{BB962C8B-B14F-4D97-AF65-F5344CB8AC3E}">
-        <p14:creationId xmlns:p14="http://schemas.microsoft.com/office/powerpoint/2010/main" val="1107182411"/>
+        <p14:creationId xmlns:p14="http://schemas.microsoft.com/office/powerpoint/2010/main" val="3042434769"/>
       </p:ext>
     </p:extLst>
   </p:cSld>
@@ -765,7 +775,7 @@
           <p:cNvPr id="2" name="Title 1">
             <a:extLst>
               <a:ext uri="{FF2B5EF4-FFF2-40B4-BE49-F238E27FC236}">
-                <a16:creationId xmlns:a16="http://schemas.microsoft.com/office/drawing/2014/main" id="{6E8F547F-CA74-426C-861C-C27995DBC2C6}"/>
+                <a16:creationId xmlns:a16="http://schemas.microsoft.com/office/drawing/2014/main" id="{D0D2A0EE-8F12-439A-9C8F-18ED4CEACA44}"/>
               </a:ext>
             </a:extLst>
           </p:cNvPr>
@@ -794,7 +804,7 @@
           <p:cNvPr id="3" name="Content Placeholder 2">
             <a:extLst>
               <a:ext uri="{FF2B5EF4-FFF2-40B4-BE49-F238E27FC236}">
-                <a16:creationId xmlns:a16="http://schemas.microsoft.com/office/drawing/2014/main" id="{AB7F4F0F-5BC5-4B7E-B9A1-7CE85C82EDE1}"/>
+                <a16:creationId xmlns:a16="http://schemas.microsoft.com/office/drawing/2014/main" id="{CFF8F812-A414-47BC-877C-61901A3A8C02}"/>
               </a:ext>
             </a:extLst>
           </p:cNvPr>
@@ -852,7 +862,7 @@
           <p:cNvPr id="4" name="Date Placeholder 3">
             <a:extLst>
               <a:ext uri="{FF2B5EF4-FFF2-40B4-BE49-F238E27FC236}">
-                <a16:creationId xmlns:a16="http://schemas.microsoft.com/office/drawing/2014/main" id="{A7B49A9F-AE6D-405E-BCE7-290EA728C2A8}"/>
+                <a16:creationId xmlns:a16="http://schemas.microsoft.com/office/drawing/2014/main" id="{636A08FB-5B44-401B-AADC-6AB6AB28D554}"/>
               </a:ext>
             </a:extLst>
           </p:cNvPr>
@@ -881,7 +891,7 @@
           <p:cNvPr id="5" name="Footer Placeholder 4">
             <a:extLst>
               <a:ext uri="{FF2B5EF4-FFF2-40B4-BE49-F238E27FC236}">
-                <a16:creationId xmlns:a16="http://schemas.microsoft.com/office/drawing/2014/main" id="{CD586ECD-9DBB-496A-8977-1D7150278816}"/>
+                <a16:creationId xmlns:a16="http://schemas.microsoft.com/office/drawing/2014/main" id="{BE332F1B-E110-48CA-9447-66EC4F909DB8}"/>
               </a:ext>
             </a:extLst>
           </p:cNvPr>
@@ -906,7 +916,7 @@
           <p:cNvPr id="6" name="Slide Number Placeholder 5">
             <a:extLst>
               <a:ext uri="{FF2B5EF4-FFF2-40B4-BE49-F238E27FC236}">
-                <a16:creationId xmlns:a16="http://schemas.microsoft.com/office/drawing/2014/main" id="{73F62B50-A5AD-4049-B53F-6219F88FCE47}"/>
+                <a16:creationId xmlns:a16="http://schemas.microsoft.com/office/drawing/2014/main" id="{4359E644-AFEB-41B3-9D7C-0C80F8D52CE0}"/>
               </a:ext>
             </a:extLst>
           </p:cNvPr>
@@ -933,7 +943,7 @@
     </p:spTree>
     <p:extLst>
       <p:ext uri="{BB962C8B-B14F-4D97-AF65-F5344CB8AC3E}">
-        <p14:creationId xmlns:p14="http://schemas.microsoft.com/office/powerpoint/2010/main" val="1463628092"/>
+        <p14:creationId xmlns:p14="http://schemas.microsoft.com/office/powerpoint/2010/main" val="2490641326"/>
       </p:ext>
     </p:extLst>
   </p:cSld>
@@ -965,7 +975,7 @@
           <p:cNvPr id="2" name="Title 1">
             <a:extLst>
               <a:ext uri="{FF2B5EF4-FFF2-40B4-BE49-F238E27FC236}">
-                <a16:creationId xmlns:a16="http://schemas.microsoft.com/office/drawing/2014/main" id="{3CD1AD37-9D99-4880-A49A-D794677BA84C}"/>
+                <a16:creationId xmlns:a16="http://schemas.microsoft.com/office/drawing/2014/main" id="{697A49AD-0322-47C2-89F2-DF44C4D18209}"/>
               </a:ext>
             </a:extLst>
           </p:cNvPr>
@@ -1003,7 +1013,7 @@
           <p:cNvPr id="3" name="Text Placeholder 2">
             <a:extLst>
               <a:ext uri="{FF2B5EF4-FFF2-40B4-BE49-F238E27FC236}">
-                <a16:creationId xmlns:a16="http://schemas.microsoft.com/office/drawing/2014/main" id="{3866A85B-668E-4D9A-8869-F6D858D19D63}"/>
+                <a16:creationId xmlns:a16="http://schemas.microsoft.com/office/drawing/2014/main" id="{B363A97A-9FD9-484C-83F9-6EC9F4B306BA}"/>
               </a:ext>
             </a:extLst>
           </p:cNvPr>
@@ -1128,7 +1138,7 @@
           <p:cNvPr id="4" name="Date Placeholder 3">
             <a:extLst>
               <a:ext uri="{FF2B5EF4-FFF2-40B4-BE49-F238E27FC236}">
-                <a16:creationId xmlns:a16="http://schemas.microsoft.com/office/drawing/2014/main" id="{4F2822A1-13FE-4915-BB4F-D012D71020AC}"/>
+                <a16:creationId xmlns:a16="http://schemas.microsoft.com/office/drawing/2014/main" id="{0ECAFFAF-B0F1-4EE6-AE88-B1A40104A3D2}"/>
               </a:ext>
             </a:extLst>
           </p:cNvPr>
@@ -1157,7 +1167,7 @@
           <p:cNvPr id="5" name="Footer Placeholder 4">
             <a:extLst>
               <a:ext uri="{FF2B5EF4-FFF2-40B4-BE49-F238E27FC236}">
-                <a16:creationId xmlns:a16="http://schemas.microsoft.com/office/drawing/2014/main" id="{C5C2EA0C-BF28-484C-900A-E7579CD88E9E}"/>
+                <a16:creationId xmlns:a16="http://schemas.microsoft.com/office/drawing/2014/main" id="{B38A285D-6E0C-4141-B9B2-DA0717C6F2E1}"/>
               </a:ext>
             </a:extLst>
           </p:cNvPr>
@@ -1182,7 +1192,7 @@
           <p:cNvPr id="6" name="Slide Number Placeholder 5">
             <a:extLst>
               <a:ext uri="{FF2B5EF4-FFF2-40B4-BE49-F238E27FC236}">
-                <a16:creationId xmlns:a16="http://schemas.microsoft.com/office/drawing/2014/main" id="{DD02D6A7-6F7A-4949-8749-0673C622C4EB}"/>
+                <a16:creationId xmlns:a16="http://schemas.microsoft.com/office/drawing/2014/main" id="{5864D5B5-12E8-485E-A436-2BB9165D6706}"/>
               </a:ext>
             </a:extLst>
           </p:cNvPr>
@@ -1209,7 +1219,7 @@
     </p:spTree>
     <p:extLst>
       <p:ext uri="{BB962C8B-B14F-4D97-AF65-F5344CB8AC3E}">
-        <p14:creationId xmlns:p14="http://schemas.microsoft.com/office/powerpoint/2010/main" val="3677817845"/>
+        <p14:creationId xmlns:p14="http://schemas.microsoft.com/office/powerpoint/2010/main" val="2280492125"/>
       </p:ext>
     </p:extLst>
   </p:cSld>
@@ -1241,7 +1251,7 @@
           <p:cNvPr id="2" name="Title 1">
             <a:extLst>
               <a:ext uri="{FF2B5EF4-FFF2-40B4-BE49-F238E27FC236}">
-                <a16:creationId xmlns:a16="http://schemas.microsoft.com/office/drawing/2014/main" id="{EBF53838-C7B9-454E-8AF1-D25088C1020D}"/>
+                <a16:creationId xmlns:a16="http://schemas.microsoft.com/office/drawing/2014/main" id="{7DE2665E-6465-4D36-B18F-F2C8A7B3FF2D}"/>
               </a:ext>
             </a:extLst>
           </p:cNvPr>
@@ -1270,7 +1280,7 @@
           <p:cNvPr id="3" name="Content Placeholder 2">
             <a:extLst>
               <a:ext uri="{FF2B5EF4-FFF2-40B4-BE49-F238E27FC236}">
-                <a16:creationId xmlns:a16="http://schemas.microsoft.com/office/drawing/2014/main" id="{3AC259F4-1960-4B91-95D9-DD504D21021A}"/>
+                <a16:creationId xmlns:a16="http://schemas.microsoft.com/office/drawing/2014/main" id="{4DBCBCD2-D1FB-4047-A55E-A998F7F60DB2}"/>
               </a:ext>
             </a:extLst>
           </p:cNvPr>
@@ -1333,7 +1343,7 @@
           <p:cNvPr id="4" name="Content Placeholder 3">
             <a:extLst>
               <a:ext uri="{FF2B5EF4-FFF2-40B4-BE49-F238E27FC236}">
-                <a16:creationId xmlns:a16="http://schemas.microsoft.com/office/drawing/2014/main" id="{69DD0DF8-0D6C-457D-A8EB-44D80527F156}"/>
+                <a16:creationId xmlns:a16="http://schemas.microsoft.com/office/drawing/2014/main" id="{3C099035-C213-4876-8601-0106E3D47C81}"/>
               </a:ext>
             </a:extLst>
           </p:cNvPr>
@@ -1396,7 +1406,7 @@
           <p:cNvPr id="5" name="Date Placeholder 4">
             <a:extLst>
               <a:ext uri="{FF2B5EF4-FFF2-40B4-BE49-F238E27FC236}">
-                <a16:creationId xmlns:a16="http://schemas.microsoft.com/office/drawing/2014/main" id="{FAFDFB33-E3E4-4BAE-BDD7-8629A4CD8146}"/>
+                <a16:creationId xmlns:a16="http://schemas.microsoft.com/office/drawing/2014/main" id="{938D1659-8542-41CD-8681-C82D6ED46A68}"/>
               </a:ext>
             </a:extLst>
           </p:cNvPr>
@@ -1425,7 +1435,7 @@
           <p:cNvPr id="6" name="Footer Placeholder 5">
             <a:extLst>
               <a:ext uri="{FF2B5EF4-FFF2-40B4-BE49-F238E27FC236}">
-                <a16:creationId xmlns:a16="http://schemas.microsoft.com/office/drawing/2014/main" id="{36E2903F-F3B9-4412-B855-FD67523CE7FD}"/>
+                <a16:creationId xmlns:a16="http://schemas.microsoft.com/office/drawing/2014/main" id="{A5F9461B-5AEA-4516-9D89-B6F0163C4E83}"/>
               </a:ext>
             </a:extLst>
           </p:cNvPr>
@@ -1450,7 +1460,7 @@
           <p:cNvPr id="7" name="Slide Number Placeholder 6">
             <a:extLst>
               <a:ext uri="{FF2B5EF4-FFF2-40B4-BE49-F238E27FC236}">
-                <a16:creationId xmlns:a16="http://schemas.microsoft.com/office/drawing/2014/main" id="{E17D85F5-82F4-4D6A-8AAB-98063943ED84}"/>
+                <a16:creationId xmlns:a16="http://schemas.microsoft.com/office/drawing/2014/main" id="{316EB182-D2BC-4524-8FE9-6E7D86A9C4B0}"/>
               </a:ext>
             </a:extLst>
           </p:cNvPr>
@@ -1477,7 +1487,7 @@
     </p:spTree>
     <p:extLst>
       <p:ext uri="{BB962C8B-B14F-4D97-AF65-F5344CB8AC3E}">
-        <p14:creationId xmlns:p14="http://schemas.microsoft.com/office/powerpoint/2010/main" val="2389155667"/>
+        <p14:creationId xmlns:p14="http://schemas.microsoft.com/office/powerpoint/2010/main" val="2691127102"/>
       </p:ext>
     </p:extLst>
   </p:cSld>
@@ -1509,7 +1519,7 @@
           <p:cNvPr id="2" name="Title 1">
             <a:extLst>
               <a:ext uri="{FF2B5EF4-FFF2-40B4-BE49-F238E27FC236}">
-                <a16:creationId xmlns:a16="http://schemas.microsoft.com/office/drawing/2014/main" id="{62B4DB3A-471D-43D9-8FD6-11196087C970}"/>
+                <a16:creationId xmlns:a16="http://schemas.microsoft.com/office/drawing/2014/main" id="{580F207F-B954-4AD6-A18A-4A14D7B26BBF}"/>
               </a:ext>
             </a:extLst>
           </p:cNvPr>
@@ -1543,7 +1553,7 @@
           <p:cNvPr id="3" name="Text Placeholder 2">
             <a:extLst>
               <a:ext uri="{FF2B5EF4-FFF2-40B4-BE49-F238E27FC236}">
-                <a16:creationId xmlns:a16="http://schemas.microsoft.com/office/drawing/2014/main" id="{BA9F3F0C-4ED4-4D80-A6EF-B434576C74D5}"/>
+                <a16:creationId xmlns:a16="http://schemas.microsoft.com/office/drawing/2014/main" id="{5CEA742A-4B3B-4946-A7DB-89D1AB96CA35}"/>
               </a:ext>
             </a:extLst>
           </p:cNvPr>
@@ -1614,7 +1624,7 @@
           <p:cNvPr id="4" name="Content Placeholder 3">
             <a:extLst>
               <a:ext uri="{FF2B5EF4-FFF2-40B4-BE49-F238E27FC236}">
-                <a16:creationId xmlns:a16="http://schemas.microsoft.com/office/drawing/2014/main" id="{066CFA99-96D0-4F82-876F-FCEC19FDFF29}"/>
+                <a16:creationId xmlns:a16="http://schemas.microsoft.com/office/drawing/2014/main" id="{0D93C536-BC72-4533-8EAC-29C10C24FBF8}"/>
               </a:ext>
             </a:extLst>
           </p:cNvPr>
@@ -1677,7 +1687,7 @@
           <p:cNvPr id="5" name="Text Placeholder 4">
             <a:extLst>
               <a:ext uri="{FF2B5EF4-FFF2-40B4-BE49-F238E27FC236}">
-                <a16:creationId xmlns:a16="http://schemas.microsoft.com/office/drawing/2014/main" id="{5C9881F8-4ADE-401D-A655-36414B1E819F}"/>
+                <a16:creationId xmlns:a16="http://schemas.microsoft.com/office/drawing/2014/main" id="{30D1AA1A-C314-4656-9FF9-48A1D49D3DCF}"/>
               </a:ext>
             </a:extLst>
           </p:cNvPr>
@@ -1748,7 +1758,7 @@
           <p:cNvPr id="6" name="Content Placeholder 5">
             <a:extLst>
               <a:ext uri="{FF2B5EF4-FFF2-40B4-BE49-F238E27FC236}">
-                <a16:creationId xmlns:a16="http://schemas.microsoft.com/office/drawing/2014/main" id="{EC089ABB-6314-41D2-B9EA-2E71FCF40563}"/>
+                <a16:creationId xmlns:a16="http://schemas.microsoft.com/office/drawing/2014/main" id="{CC2C2C9C-6B64-4901-97D8-25565BE24521}"/>
               </a:ext>
             </a:extLst>
           </p:cNvPr>
@@ -1811,7 +1821,7 @@
           <p:cNvPr id="7" name="Date Placeholder 6">
             <a:extLst>
               <a:ext uri="{FF2B5EF4-FFF2-40B4-BE49-F238E27FC236}">
-                <a16:creationId xmlns:a16="http://schemas.microsoft.com/office/drawing/2014/main" id="{19AB6C51-C957-441B-AF17-EECC51638991}"/>
+                <a16:creationId xmlns:a16="http://schemas.microsoft.com/office/drawing/2014/main" id="{19BBEA35-2175-4EC4-98AE-05327A7266EA}"/>
               </a:ext>
             </a:extLst>
           </p:cNvPr>
@@ -1840,7 +1850,7 @@
           <p:cNvPr id="8" name="Footer Placeholder 7">
             <a:extLst>
               <a:ext uri="{FF2B5EF4-FFF2-40B4-BE49-F238E27FC236}">
-                <a16:creationId xmlns:a16="http://schemas.microsoft.com/office/drawing/2014/main" id="{AF5DD862-38CE-4AEB-9702-77F842C69F35}"/>
+                <a16:creationId xmlns:a16="http://schemas.microsoft.com/office/drawing/2014/main" id="{3AD8892F-4E6B-4762-9EA4-CE2A01A3596C}"/>
               </a:ext>
             </a:extLst>
           </p:cNvPr>
@@ -1865,7 +1875,7 @@
           <p:cNvPr id="9" name="Slide Number Placeholder 8">
             <a:extLst>
               <a:ext uri="{FF2B5EF4-FFF2-40B4-BE49-F238E27FC236}">
-                <a16:creationId xmlns:a16="http://schemas.microsoft.com/office/drawing/2014/main" id="{D9788752-0A87-4D2C-B268-53247145AB5A}"/>
+                <a16:creationId xmlns:a16="http://schemas.microsoft.com/office/drawing/2014/main" id="{FF3AD69B-B124-4A57-9988-E3435B4D498D}"/>
               </a:ext>
             </a:extLst>
           </p:cNvPr>
@@ -1892,7 +1902,7 @@
     </p:spTree>
     <p:extLst>
       <p:ext uri="{BB962C8B-B14F-4D97-AF65-F5344CB8AC3E}">
-        <p14:creationId xmlns:p14="http://schemas.microsoft.com/office/powerpoint/2010/main" val="620767189"/>
+        <p14:creationId xmlns:p14="http://schemas.microsoft.com/office/powerpoint/2010/main" val="353160916"/>
       </p:ext>
     </p:extLst>
   </p:cSld>
@@ -1924,7 +1934,7 @@
           <p:cNvPr id="2" name="Title 1">
             <a:extLst>
               <a:ext uri="{FF2B5EF4-FFF2-40B4-BE49-F238E27FC236}">
-                <a16:creationId xmlns:a16="http://schemas.microsoft.com/office/drawing/2014/main" id="{0828789B-C0AD-4C5B-9482-8778FEE1E15A}"/>
+                <a16:creationId xmlns:a16="http://schemas.microsoft.com/office/drawing/2014/main" id="{3B2A7369-DB70-4760-936B-2BC854FBA5B4}"/>
               </a:ext>
             </a:extLst>
           </p:cNvPr>
@@ -1953,7 +1963,7 @@
           <p:cNvPr id="3" name="Date Placeholder 2">
             <a:extLst>
               <a:ext uri="{FF2B5EF4-FFF2-40B4-BE49-F238E27FC236}">
-                <a16:creationId xmlns:a16="http://schemas.microsoft.com/office/drawing/2014/main" id="{377C8B42-DFD4-4677-B720-4AF873492020}"/>
+                <a16:creationId xmlns:a16="http://schemas.microsoft.com/office/drawing/2014/main" id="{7CC487BB-248C-4E5F-B0A9-13B02574574C}"/>
               </a:ext>
             </a:extLst>
           </p:cNvPr>
@@ -1982,7 +1992,7 @@
           <p:cNvPr id="4" name="Footer Placeholder 3">
             <a:extLst>
               <a:ext uri="{FF2B5EF4-FFF2-40B4-BE49-F238E27FC236}">
-                <a16:creationId xmlns:a16="http://schemas.microsoft.com/office/drawing/2014/main" id="{682999ED-FCA0-4491-897F-2870F3AF2406}"/>
+                <a16:creationId xmlns:a16="http://schemas.microsoft.com/office/drawing/2014/main" id="{25388C52-FF01-469D-BFE7-DEFFFB99D945}"/>
               </a:ext>
             </a:extLst>
           </p:cNvPr>
@@ -2007,7 +2017,7 @@
           <p:cNvPr id="5" name="Slide Number Placeholder 4">
             <a:extLst>
               <a:ext uri="{FF2B5EF4-FFF2-40B4-BE49-F238E27FC236}">
-                <a16:creationId xmlns:a16="http://schemas.microsoft.com/office/drawing/2014/main" id="{719069E5-1B90-422C-8156-8CE1CB71423C}"/>
+                <a16:creationId xmlns:a16="http://schemas.microsoft.com/office/drawing/2014/main" id="{C8076740-EF70-44C0-A3C5-36DBF59C2B6D}"/>
               </a:ext>
             </a:extLst>
           </p:cNvPr>
@@ -2034,7 +2044,7 @@
     </p:spTree>
     <p:extLst>
       <p:ext uri="{BB962C8B-B14F-4D97-AF65-F5344CB8AC3E}">
-        <p14:creationId xmlns:p14="http://schemas.microsoft.com/office/powerpoint/2010/main" val="1960985595"/>
+        <p14:creationId xmlns:p14="http://schemas.microsoft.com/office/powerpoint/2010/main" val="1789533989"/>
       </p:ext>
     </p:extLst>
   </p:cSld>
@@ -2066,7 +2076,7 @@
           <p:cNvPr id="2" name="Date Placeholder 1">
             <a:extLst>
               <a:ext uri="{FF2B5EF4-FFF2-40B4-BE49-F238E27FC236}">
-                <a16:creationId xmlns:a16="http://schemas.microsoft.com/office/drawing/2014/main" id="{C7367332-2E38-40B9-BF72-A20DF2F751A2}"/>
+                <a16:creationId xmlns:a16="http://schemas.microsoft.com/office/drawing/2014/main" id="{215683E1-9EBC-4719-831C-B6AF86443F76}"/>
               </a:ext>
             </a:extLst>
           </p:cNvPr>
@@ -2095,7 +2105,7 @@
           <p:cNvPr id="3" name="Footer Placeholder 2">
             <a:extLst>
               <a:ext uri="{FF2B5EF4-FFF2-40B4-BE49-F238E27FC236}">
-                <a16:creationId xmlns:a16="http://schemas.microsoft.com/office/drawing/2014/main" id="{32CDC399-A1F6-4EA5-A2C2-69CFC0448257}"/>
+                <a16:creationId xmlns:a16="http://schemas.microsoft.com/office/drawing/2014/main" id="{2CB308CF-86B9-493E-A8DF-2AC544CBFAA5}"/>
               </a:ext>
             </a:extLst>
           </p:cNvPr>
@@ -2120,7 +2130,7 @@
           <p:cNvPr id="4" name="Slide Number Placeholder 3">
             <a:extLst>
               <a:ext uri="{FF2B5EF4-FFF2-40B4-BE49-F238E27FC236}">
-                <a16:creationId xmlns:a16="http://schemas.microsoft.com/office/drawing/2014/main" id="{F0890686-D494-42AE-A722-6F3D8B5FA342}"/>
+                <a16:creationId xmlns:a16="http://schemas.microsoft.com/office/drawing/2014/main" id="{081A068E-AF8D-4921-A9A5-D90D535978B5}"/>
               </a:ext>
             </a:extLst>
           </p:cNvPr>
@@ -2147,13 +2157,18 @@
     </p:spTree>
     <p:extLst>
       <p:ext uri="{BB962C8B-B14F-4D97-AF65-F5344CB8AC3E}">
-        <p14:creationId xmlns:p14="http://schemas.microsoft.com/office/powerpoint/2010/main" val="4013071150"/>
+        <p14:creationId xmlns:p14="http://schemas.microsoft.com/office/powerpoint/2010/main" val="4239481081"/>
       </p:ext>
     </p:extLst>
   </p:cSld>
   <p:clrMapOvr>
     <a:masterClrMapping/>
   </p:clrMapOvr>
+  <p:extLst>
+    <p:ext uri="{DCECCB84-F9BA-43D5-87BE-67443E8EF086}">
+      <p15:sldGuideLst xmlns:p15="http://schemas.microsoft.com/office/powerpoint/2012/main"/>
+    </p:ext>
+  </p:extLst>
 </p:sldLayout>
 </file>
 
@@ -2179,7 +2194,7 @@
           <p:cNvPr id="2" name="Title 1">
             <a:extLst>
               <a:ext uri="{FF2B5EF4-FFF2-40B4-BE49-F238E27FC236}">
-                <a16:creationId xmlns:a16="http://schemas.microsoft.com/office/drawing/2014/main" id="{7D73FB53-6C9C-4D13-8844-05F37FB4A878}"/>
+                <a16:creationId xmlns:a16="http://schemas.microsoft.com/office/drawing/2014/main" id="{DEF44A3D-7AEE-4592-B52C-0A1542C71513}"/>
               </a:ext>
             </a:extLst>
           </p:cNvPr>
@@ -2217,7 +2232,7 @@
           <p:cNvPr id="3" name="Content Placeholder 2">
             <a:extLst>
               <a:ext uri="{FF2B5EF4-FFF2-40B4-BE49-F238E27FC236}">
-                <a16:creationId xmlns:a16="http://schemas.microsoft.com/office/drawing/2014/main" id="{3045C7FA-8C7F-4820-9E1F-B015B461F946}"/>
+                <a16:creationId xmlns:a16="http://schemas.microsoft.com/office/drawing/2014/main" id="{66AD4B7A-C287-4475-83A6-0663D3D70AE1}"/>
               </a:ext>
             </a:extLst>
           </p:cNvPr>
@@ -2308,7 +2323,7 @@
           <p:cNvPr id="4" name="Text Placeholder 3">
             <a:extLst>
               <a:ext uri="{FF2B5EF4-FFF2-40B4-BE49-F238E27FC236}">
-                <a16:creationId xmlns:a16="http://schemas.microsoft.com/office/drawing/2014/main" id="{93084D73-A369-4B07-BC8D-81D36215F0BC}"/>
+                <a16:creationId xmlns:a16="http://schemas.microsoft.com/office/drawing/2014/main" id="{07D08963-3CA9-4592-9C1C-BE0741FAEF7E}"/>
               </a:ext>
             </a:extLst>
           </p:cNvPr>
@@ -2379,7 +2394,7 @@
           <p:cNvPr id="5" name="Date Placeholder 4">
             <a:extLst>
               <a:ext uri="{FF2B5EF4-FFF2-40B4-BE49-F238E27FC236}">
-                <a16:creationId xmlns:a16="http://schemas.microsoft.com/office/drawing/2014/main" id="{F9413A71-85E5-407A-982A-E3B4D4BECB30}"/>
+                <a16:creationId xmlns:a16="http://schemas.microsoft.com/office/drawing/2014/main" id="{628AD757-5166-4035-BFB1-69F6E1148B6B}"/>
               </a:ext>
             </a:extLst>
           </p:cNvPr>
@@ -2408,7 +2423,7 @@
           <p:cNvPr id="6" name="Footer Placeholder 5">
             <a:extLst>
               <a:ext uri="{FF2B5EF4-FFF2-40B4-BE49-F238E27FC236}">
-                <a16:creationId xmlns:a16="http://schemas.microsoft.com/office/drawing/2014/main" id="{ACE43F95-A140-4889-8659-417ECC9F8CEF}"/>
+                <a16:creationId xmlns:a16="http://schemas.microsoft.com/office/drawing/2014/main" id="{1994F69C-92D0-4A06-B005-8DE42F46F689}"/>
               </a:ext>
             </a:extLst>
           </p:cNvPr>
@@ -2433,7 +2448,7 @@
           <p:cNvPr id="7" name="Slide Number Placeholder 6">
             <a:extLst>
               <a:ext uri="{FF2B5EF4-FFF2-40B4-BE49-F238E27FC236}">
-                <a16:creationId xmlns:a16="http://schemas.microsoft.com/office/drawing/2014/main" id="{ED6EF7E8-F5A7-4B30-8A6C-EA7029BF2ACA}"/>
+                <a16:creationId xmlns:a16="http://schemas.microsoft.com/office/drawing/2014/main" id="{7A7C9B6D-E121-4C70-82F9-1C299DB7BBEA}"/>
               </a:ext>
             </a:extLst>
           </p:cNvPr>
@@ -2460,13 +2475,18 @@
     </p:spTree>
     <p:extLst>
       <p:ext uri="{BB962C8B-B14F-4D97-AF65-F5344CB8AC3E}">
-        <p14:creationId xmlns:p14="http://schemas.microsoft.com/office/powerpoint/2010/main" val="3710355840"/>
+        <p14:creationId xmlns:p14="http://schemas.microsoft.com/office/powerpoint/2010/main" val="1645724086"/>
       </p:ext>
     </p:extLst>
   </p:cSld>
   <p:clrMapOvr>
     <a:masterClrMapping/>
   </p:clrMapOvr>
+  <p:extLst>
+    <p:ext uri="{DCECCB84-F9BA-43D5-87BE-67443E8EF086}">
+      <p15:sldGuideLst xmlns:p15="http://schemas.microsoft.com/office/powerpoint/2012/main"/>
+    </p:ext>
+  </p:extLst>
 </p:sldLayout>
 </file>
 
@@ -2492,7 +2512,7 @@
           <p:cNvPr id="2" name="Title 1">
             <a:extLst>
               <a:ext uri="{FF2B5EF4-FFF2-40B4-BE49-F238E27FC236}">
-                <a16:creationId xmlns:a16="http://schemas.microsoft.com/office/drawing/2014/main" id="{D18419FB-E059-4981-BE8B-07FE07891830}"/>
+                <a16:creationId xmlns:a16="http://schemas.microsoft.com/office/drawing/2014/main" id="{654F715A-8D0F-4A39-8E62-D450BC56B490}"/>
               </a:ext>
             </a:extLst>
           </p:cNvPr>
@@ -2530,7 +2550,7 @@
           <p:cNvPr id="3" name="Picture Placeholder 2">
             <a:extLst>
               <a:ext uri="{FF2B5EF4-FFF2-40B4-BE49-F238E27FC236}">
-                <a16:creationId xmlns:a16="http://schemas.microsoft.com/office/drawing/2014/main" id="{13400217-C7F0-4FA9-AC59-9DB5679013A3}"/>
+                <a16:creationId xmlns:a16="http://schemas.microsoft.com/office/drawing/2014/main" id="{C2E507EF-C699-4A2D-A58E-4A6CAA4129BF}"/>
               </a:ext>
             </a:extLst>
           </p:cNvPr>
@@ -2597,7 +2617,7 @@
           <p:cNvPr id="4" name="Text Placeholder 3">
             <a:extLst>
               <a:ext uri="{FF2B5EF4-FFF2-40B4-BE49-F238E27FC236}">
-                <a16:creationId xmlns:a16="http://schemas.microsoft.com/office/drawing/2014/main" id="{BD7769FB-FB47-4B12-9E79-6581CBF6F26E}"/>
+                <a16:creationId xmlns:a16="http://schemas.microsoft.com/office/drawing/2014/main" id="{8040AAED-6E5A-41AD-8E7E-5BB3E84510D2}"/>
               </a:ext>
             </a:extLst>
           </p:cNvPr>
@@ -2668,7 +2688,7 @@
           <p:cNvPr id="5" name="Date Placeholder 4">
             <a:extLst>
               <a:ext uri="{FF2B5EF4-FFF2-40B4-BE49-F238E27FC236}">
-                <a16:creationId xmlns:a16="http://schemas.microsoft.com/office/drawing/2014/main" id="{9173BB08-61A2-46A9-9A4B-A609ED295E95}"/>
+                <a16:creationId xmlns:a16="http://schemas.microsoft.com/office/drawing/2014/main" id="{8DF8148A-2D2E-431D-8D84-57610C755B22}"/>
               </a:ext>
             </a:extLst>
           </p:cNvPr>
@@ -2697,7 +2717,7 @@
           <p:cNvPr id="6" name="Footer Placeholder 5">
             <a:extLst>
               <a:ext uri="{FF2B5EF4-FFF2-40B4-BE49-F238E27FC236}">
-                <a16:creationId xmlns:a16="http://schemas.microsoft.com/office/drawing/2014/main" id="{98B485BB-889E-4EFE-BFFB-380586073CE4}"/>
+                <a16:creationId xmlns:a16="http://schemas.microsoft.com/office/drawing/2014/main" id="{EDA5E902-FA19-453B-9579-C22D2343325B}"/>
               </a:ext>
             </a:extLst>
           </p:cNvPr>
@@ -2722,7 +2742,7 @@
           <p:cNvPr id="7" name="Slide Number Placeholder 6">
             <a:extLst>
               <a:ext uri="{FF2B5EF4-FFF2-40B4-BE49-F238E27FC236}">
-                <a16:creationId xmlns:a16="http://schemas.microsoft.com/office/drawing/2014/main" id="{475EF913-3C0F-4DE4-98DC-F3540B7028D7}"/>
+                <a16:creationId xmlns:a16="http://schemas.microsoft.com/office/drawing/2014/main" id="{B0D2E7C2-5138-42FD-8731-0EF8852738F9}"/>
               </a:ext>
             </a:extLst>
           </p:cNvPr>
@@ -2749,7 +2769,7 @@
     </p:spTree>
     <p:extLst>
       <p:ext uri="{BB962C8B-B14F-4D97-AF65-F5344CB8AC3E}">
-        <p14:creationId xmlns:p14="http://schemas.microsoft.com/office/powerpoint/2010/main" val="3084514300"/>
+        <p14:creationId xmlns:p14="http://schemas.microsoft.com/office/powerpoint/2010/main" val="2454177000"/>
       </p:ext>
     </p:extLst>
   </p:cSld>
@@ -2786,7 +2806,7 @@
           <p:cNvPr id="2" name="Title Placeholder 1">
             <a:extLst>
               <a:ext uri="{FF2B5EF4-FFF2-40B4-BE49-F238E27FC236}">
-                <a16:creationId xmlns:a16="http://schemas.microsoft.com/office/drawing/2014/main" id="{188877AE-F30D-44B9-AE13-162C640E4BA8}"/>
+                <a16:creationId xmlns:a16="http://schemas.microsoft.com/office/drawing/2014/main" id="{D83BA7E6-A807-40B5-96BC-0F6BBD3E7161}"/>
               </a:ext>
             </a:extLst>
           </p:cNvPr>
@@ -2825,7 +2845,7 @@
           <p:cNvPr id="3" name="Text Placeholder 2">
             <a:extLst>
               <a:ext uri="{FF2B5EF4-FFF2-40B4-BE49-F238E27FC236}">
-                <a16:creationId xmlns:a16="http://schemas.microsoft.com/office/drawing/2014/main" id="{A43E920F-4C67-4139-96AB-6B3A4B9D0859}"/>
+                <a16:creationId xmlns:a16="http://schemas.microsoft.com/office/drawing/2014/main" id="{09DFAA1A-A1DE-4708-81FE-D0E7BCE27342}"/>
               </a:ext>
             </a:extLst>
           </p:cNvPr>
@@ -2893,7 +2913,7 @@
           <p:cNvPr id="4" name="Date Placeholder 3">
             <a:extLst>
               <a:ext uri="{FF2B5EF4-FFF2-40B4-BE49-F238E27FC236}">
-                <a16:creationId xmlns:a16="http://schemas.microsoft.com/office/drawing/2014/main" id="{E84A271F-2683-419A-9FCC-2F9E6E23FAFD}"/>
+                <a16:creationId xmlns:a16="http://schemas.microsoft.com/office/drawing/2014/main" id="{A3CCEA4D-626F-42B1-ABCF-D5CB4ED0737F}"/>
               </a:ext>
             </a:extLst>
           </p:cNvPr>
@@ -2940,7 +2960,7 @@
           <p:cNvPr id="5" name="Footer Placeholder 4">
             <a:extLst>
               <a:ext uri="{FF2B5EF4-FFF2-40B4-BE49-F238E27FC236}">
-                <a16:creationId xmlns:a16="http://schemas.microsoft.com/office/drawing/2014/main" id="{49B39A96-FBB3-456D-BCDA-3F5CD6133924}"/>
+                <a16:creationId xmlns:a16="http://schemas.microsoft.com/office/drawing/2014/main" id="{AB7ADC84-188E-4533-B9CD-BA11D54BA0C9}"/>
               </a:ext>
             </a:extLst>
           </p:cNvPr>
@@ -2983,7 +3003,7 @@
           <p:cNvPr id="6" name="Slide Number Placeholder 5">
             <a:extLst>
               <a:ext uri="{FF2B5EF4-FFF2-40B4-BE49-F238E27FC236}">
-                <a16:creationId xmlns:a16="http://schemas.microsoft.com/office/drawing/2014/main" id="{0DC9833B-AA97-4369-BFC3-C2A1D0FD47F1}"/>
+                <a16:creationId xmlns:a16="http://schemas.microsoft.com/office/drawing/2014/main" id="{677A3011-75E9-44EF-A8B9-E980CBC05D85}"/>
               </a:ext>
             </a:extLst>
           </p:cNvPr>
@@ -3028,23 +3048,23 @@
     </p:spTree>
     <p:extLst>
       <p:ext uri="{BB962C8B-B14F-4D97-AF65-F5344CB8AC3E}">
-        <p14:creationId xmlns:p14="http://schemas.microsoft.com/office/powerpoint/2010/main" val="2723719057"/>
+        <p14:creationId xmlns:p14="http://schemas.microsoft.com/office/powerpoint/2010/main" val="3172296325"/>
       </p:ext>
     </p:extLst>
   </p:cSld>
   <p:clrMap bg1="lt1" tx1="dk1" bg2="lt2" tx2="dk2" accent1="accent1" accent2="accent2" accent3="accent3" accent4="accent4" accent5="accent5" accent6="accent6" hlink="hlink" folHlink="folHlink"/>
   <p:sldLayoutIdLst>
-    <p:sldLayoutId id="2147483649" r:id="rId1"/>
-    <p:sldLayoutId id="2147483650" r:id="rId2"/>
-    <p:sldLayoutId id="2147483651" r:id="rId3"/>
-    <p:sldLayoutId id="2147483652" r:id="rId4"/>
-    <p:sldLayoutId id="2147483653" r:id="rId5"/>
-    <p:sldLayoutId id="2147483654" r:id="rId6"/>
-    <p:sldLayoutId id="2147483655" r:id="rId7"/>
-    <p:sldLayoutId id="2147483656" r:id="rId8"/>
-    <p:sldLayoutId id="2147483657" r:id="rId9"/>
-    <p:sldLayoutId id="2147483658" r:id="rId10"/>
-    <p:sldLayoutId id="2147483659" r:id="rId11"/>
+    <p:sldLayoutId id="2147483720" r:id="rId1"/>
+    <p:sldLayoutId id="2147483721" r:id="rId2"/>
+    <p:sldLayoutId id="2147483722" r:id="rId3"/>
+    <p:sldLayoutId id="2147483723" r:id="rId4"/>
+    <p:sldLayoutId id="2147483724" r:id="rId5"/>
+    <p:sldLayoutId id="2147483725" r:id="rId6"/>
+    <p:sldLayoutId id="2147483726" r:id="rId7"/>
+    <p:sldLayoutId id="2147483727" r:id="rId8"/>
+    <p:sldLayoutId id="2147483728" r:id="rId9"/>
+    <p:sldLayoutId id="2147483729" r:id="rId10"/>
+    <p:sldLayoutId id="2147483730" r:id="rId11"/>
   </p:sldLayoutIdLst>
   <p:txStyles>
     <p:titleStyle>
@@ -3326,12 +3346,25 @@
       </a:lvl9pPr>
     </p:otherStyle>
   </p:txStyles>
+  <p:extLst>
+    <p:ext uri="{27BBF7A9-308A-43DC-89C8-2F10F3537804}">
+      <p15:sldGuideLst xmlns:p15="http://schemas.microsoft.com/office/powerpoint/2012/main"/>
+    </p:ext>
+  </p:extLst>
 </p:sldMaster>
 </file>
 
 <file path=ppt/slides/slide1.xml><?xml version="1.0" encoding="utf-8"?>
 <p:sld xmlns:a="http://schemas.openxmlformats.org/drawingml/2006/main" xmlns:r="http://schemas.openxmlformats.org/officeDocument/2006/relationships" xmlns:p="http://schemas.openxmlformats.org/presentationml/2006/main">
   <p:cSld>
+    <p:bg>
+      <p:bgPr>
+        <a:solidFill>
+          <a:schemeClr val="bg1"/>
+        </a:solidFill>
+        <a:effectLst/>
+      </p:bgPr>
+    </p:bg>
     <p:spTree>
       <p:nvGrpSpPr>
         <p:cNvPr id="1" name=""/>
@@ -3346,6 +3379,193 @@
           <a:chExt cx="0" cy="0"/>
         </a:xfrm>
       </p:grpSpPr>
+      <p:pic>
+        <p:nvPicPr>
+          <p:cNvPr id="4" name="Picture 4" descr="ÐÐ°ÑÑÐ¸Ð½ÐºÐ¸ Ð¿Ð¾ Ð·Ð°Ð¿ÑÐ¾ÑÑ boardgame">
+            <a:extLst>
+              <a:ext uri="{FF2B5EF4-FFF2-40B4-BE49-F238E27FC236}">
+                <a16:creationId xmlns:a16="http://schemas.microsoft.com/office/drawing/2014/main" id="{E0282EF9-482D-434B-AA12-66CEAE7DB2BA}"/>
+              </a:ext>
+            </a:extLst>
+          </p:cNvPr>
+          <p:cNvPicPr>
+            <a:picLocks noChangeAspect="1" noChangeArrowheads="1"/>
+          </p:cNvPicPr>
+          <p:nvPr/>
+        </p:nvPicPr>
+        <p:blipFill rotWithShape="1">
+          <a:blip r:embed="rId2">
+            <a:extLst>
+              <a:ext uri="{28A0092B-C50C-407E-A947-70E740481C1C}">
+                <a14:useLocalDpi xmlns:a14="http://schemas.microsoft.com/office/drawing/2010/main" val="0"/>
+              </a:ext>
+            </a:extLst>
+          </a:blip>
+          <a:srcRect t="13449" b="6194"/>
+          <a:stretch/>
+        </p:blipFill>
+        <p:spPr bwMode="auto">
+          <a:xfrm>
+            <a:off x="20" y="0"/>
+            <a:ext cx="12191980" cy="6857990"/>
+          </a:xfrm>
+          <a:prstGeom prst="rect">
+            <a:avLst/>
+          </a:prstGeom>
+          <a:noFill/>
+          <a:extLst>
+            <a:ext uri="{909E8E84-426E-40DD-AFC4-6F175D3DCCD1}">
+              <a14:hiddenFill xmlns:a14="http://schemas.microsoft.com/office/drawing/2010/main">
+                <a:solidFill>
+                  <a:srgbClr val="FFFFFF"/>
+                </a:solidFill>
+              </a14:hiddenFill>
+            </a:ext>
+          </a:extLst>
+        </p:spPr>
+      </p:pic>
+      <p:sp>
+        <p:nvSpPr>
+          <p:cNvPr id="85" name="Freeform 5">
+            <a:extLst>
+              <a:ext uri="{FF2B5EF4-FFF2-40B4-BE49-F238E27FC236}">
+                <a16:creationId xmlns:a16="http://schemas.microsoft.com/office/drawing/2014/main" id="{87CC2527-562A-4F69-B487-4371E5B243E7}"/>
+              </a:ext>
+              <a:ext uri="{C183D7F6-B498-43B3-948B-1728B52AA6E4}">
+                <adec:decorative xmlns:adec="http://schemas.microsoft.com/office/drawing/2017/decorative" val="1"/>
+              </a:ext>
+            </a:extLst>
+          </p:cNvPr>
+          <p:cNvSpPr>
+            <a:spLocks noGrp="1" noRot="1" noChangeAspect="1" noMove="1" noResize="1" noEditPoints="1" noAdjustHandles="1" noChangeArrowheads="1" noChangeShapeType="1" noTextEdit="1"/>
+          </p:cNvSpPr>
+          <p:nvPr>
+            <p:extLst>
+              <p:ext uri="{386F3935-93C4-4BCD-93E2-E3B085C9AB24}">
+                <p16:designElem xmlns:p16="http://schemas.microsoft.com/office/powerpoint/2015/main" val="1"/>
+              </p:ext>
+            </p:extLst>
+          </p:nvPr>
+        </p:nvSpPr>
+        <p:spPr bwMode="grayWhite">
+          <a:xfrm>
+            <a:off x="7488621" y="2277613"/>
+            <a:ext cx="4703379" cy="4580387"/>
+          </a:xfrm>
+          <a:custGeom>
+            <a:avLst/>
+            <a:gdLst>
+              <a:gd name="T0" fmla="*/ 1333 w 1333"/>
+              <a:gd name="T1" fmla="*/ 1031 h 1298"/>
+              <a:gd name="T2" fmla="*/ 1333 w 1333"/>
+              <a:gd name="T3" fmla="*/ 380 h 1298"/>
+              <a:gd name="T4" fmla="*/ 706 w 1333"/>
+              <a:gd name="T5" fmla="*/ 0 h 1298"/>
+              <a:gd name="T6" fmla="*/ 0 w 1333"/>
+              <a:gd name="T7" fmla="*/ 706 h 1298"/>
+              <a:gd name="T8" fmla="*/ 323 w 1333"/>
+              <a:gd name="T9" fmla="*/ 1298 h 1298"/>
+              <a:gd name="T10" fmla="*/ 1090 w 1333"/>
+              <a:gd name="T11" fmla="*/ 1298 h 1298"/>
+              <a:gd name="T12" fmla="*/ 1333 w 1333"/>
+              <a:gd name="T13" fmla="*/ 1031 h 1298"/>
+            </a:gdLst>
+            <a:ahLst/>
+            <a:cxnLst>
+              <a:cxn ang="0">
+                <a:pos x="T0" y="T1"/>
+              </a:cxn>
+              <a:cxn ang="0">
+                <a:pos x="T2" y="T3"/>
+              </a:cxn>
+              <a:cxn ang="0">
+                <a:pos x="T4" y="T5"/>
+              </a:cxn>
+              <a:cxn ang="0">
+                <a:pos x="T6" y="T7"/>
+              </a:cxn>
+              <a:cxn ang="0">
+                <a:pos x="T8" y="T9"/>
+              </a:cxn>
+              <a:cxn ang="0">
+                <a:pos x="T10" y="T11"/>
+              </a:cxn>
+              <a:cxn ang="0">
+                <a:pos x="T12" y="T13"/>
+              </a:cxn>
+            </a:cxnLst>
+            <a:rect l="0" t="0" r="r" b="b"/>
+            <a:pathLst>
+              <a:path w="1333" h="1298">
+                <a:moveTo>
+                  <a:pt x="1333" y="1031"/>
+                </a:moveTo>
+                <a:cubicBezTo>
+                  <a:pt x="1333" y="380"/>
+                  <a:pt x="1333" y="380"/>
+                  <a:pt x="1333" y="380"/>
+                </a:cubicBezTo>
+                <a:cubicBezTo>
+                  <a:pt x="1215" y="154"/>
+                  <a:pt x="979" y="0"/>
+                  <a:pt x="706" y="0"/>
+                </a:cubicBezTo>
+                <a:cubicBezTo>
+                  <a:pt x="317" y="0"/>
+                  <a:pt x="0" y="316"/>
+                  <a:pt x="0" y="706"/>
+                </a:cubicBezTo>
+                <a:cubicBezTo>
+                  <a:pt x="0" y="954"/>
+                  <a:pt x="129" y="1172"/>
+                  <a:pt x="323" y="1298"/>
+                </a:cubicBezTo>
+                <a:cubicBezTo>
+                  <a:pt x="1090" y="1298"/>
+                  <a:pt x="1090" y="1298"/>
+                  <a:pt x="1090" y="1298"/>
+                </a:cubicBezTo>
+                <a:cubicBezTo>
+                  <a:pt x="1193" y="1232"/>
+                  <a:pt x="1276" y="1140"/>
+                  <a:pt x="1333" y="1031"/>
+                </a:cubicBezTo>
+                <a:close/>
+              </a:path>
+            </a:pathLst>
+          </a:custGeom>
+          <a:solidFill>
+            <a:schemeClr val="bg1">
+              <a:alpha val="70000"/>
+            </a:schemeClr>
+          </a:solidFill>
+          <a:ln w="50800" cap="sq" cmpd="dbl">
+            <a:noFill/>
+            <a:miter lim="800000"/>
+          </a:ln>
+          <a:effectLst/>
+        </p:spPr>
+        <p:txBody>
+          <a:bodyPr vert="horz" lIns="91440" tIns="45720" rIns="91440" bIns="45720" rtlCol="0" anchor="t">
+            <a:normAutofit/>
+          </a:bodyPr>
+          <a:lstStyle/>
+          <a:p>
+            <a:pPr algn="ctr">
+              <a:spcAft>
+                <a:spcPts val="1000"/>
+              </a:spcAft>
+              <a:buClr>
+                <a:schemeClr val="tx1"/>
+              </a:buClr>
+              <a:buSzPct val="100000"/>
+              <a:buFont typeface="Arial"/>
+              <a:buNone/>
+            </a:pPr>
+            <a:endParaRPr lang="en-US" sz="1600" cap="all"/>
+          </a:p>
+        </p:txBody>
+      </p:sp>
       <p:sp>
         <p:nvSpPr>
           <p:cNvPr id="2" name="Title 1">
@@ -3362,19 +3582,26 @@
             <p:ph type="ctrTitle"/>
           </p:nvPr>
         </p:nvSpPr>
-        <p:spPr/>
-        <p:txBody>
-          <a:bodyPr/>
-          <a:lstStyle/>
-          <a:p>
-            <a:r>
-              <a:rPr lang="en-US" dirty="0"/>
+        <p:spPr>
+          <a:xfrm>
+            <a:off x="8022021" y="3231931"/>
+            <a:ext cx="3852041" cy="1834056"/>
+          </a:xfrm>
+        </p:spPr>
+        <p:txBody>
+          <a:bodyPr>
+            <a:normAutofit/>
+          </a:bodyPr>
+          <a:lstStyle/>
+          <a:p>
+            <a:r>
+              <a:rPr lang="en-US" sz="4000" dirty="0"/>
               <a:t>Team introduction</a:t>
             </a:r>
             <a:br>
-              <a:rPr lang="en-US" dirty="0"/>
+              <a:rPr lang="en-US" sz="4000" dirty="0"/>
             </a:br>
-            <a:endParaRPr lang="LID4096" dirty="0"/>
+            <a:endParaRPr lang="LID4096" sz="4000" dirty="0"/>
           </a:p>
         </p:txBody>
       </p:sp>
@@ -3394,12 +3621,1176 @@
             <p:ph type="subTitle" idx="1"/>
           </p:nvPr>
         </p:nvSpPr>
-        <p:spPr/>
-        <p:txBody>
-          <a:bodyPr/>
-          <a:lstStyle/>
-          <a:p>
-            <a:endParaRPr lang="LID4096"/>
+        <p:spPr>
+          <a:xfrm>
+            <a:off x="235894" y="2656839"/>
+            <a:ext cx="2189202" cy="1035269"/>
+          </a:xfrm>
+        </p:spPr>
+        <p:txBody>
+          <a:bodyPr>
+            <a:normAutofit/>
+          </a:bodyPr>
+          <a:lstStyle/>
+          <a:p>
+            <a:r>
+              <a:rPr lang="en-US" sz="1800" b="1" dirty="0">
+                <a:solidFill>
+                  <a:schemeClr val="bg1">
+                    <a:lumMod val="95000"/>
+                  </a:schemeClr>
+                </a:solidFill>
+                <a:effectLst>
+                  <a:outerShdw blurRad="38100" dist="38100" dir="2700000" algn="tl">
+                    <a:srgbClr val="000000">
+                      <a:alpha val="43137"/>
+                    </a:srgbClr>
+                  </a:outerShdw>
+                </a:effectLst>
+              </a:rPr>
+              <a:t>Maria </a:t>
+            </a:r>
+            <a:r>
+              <a:rPr lang="en-US" sz="1800" b="1" dirty="0" err="1">
+                <a:solidFill>
+                  <a:schemeClr val="bg1">
+                    <a:lumMod val="95000"/>
+                  </a:schemeClr>
+                </a:solidFill>
+                <a:effectLst>
+                  <a:outerShdw blurRad="38100" dist="38100" dir="2700000" algn="tl">
+                    <a:srgbClr val="000000">
+                      <a:alpha val="43137"/>
+                    </a:srgbClr>
+                  </a:outerShdw>
+                </a:effectLst>
+              </a:rPr>
+              <a:t>Khovanskaya</a:t>
+            </a:r>
+            <a:endParaRPr lang="en-US" sz="1800" b="1" dirty="0">
+              <a:solidFill>
+                <a:schemeClr val="bg1">
+                  <a:lumMod val="95000"/>
+                </a:schemeClr>
+              </a:solidFill>
+              <a:effectLst>
+                <a:outerShdw blurRad="38100" dist="38100" dir="2700000" algn="tl">
+                  <a:srgbClr val="000000">
+                    <a:alpha val="43137"/>
+                  </a:srgbClr>
+                </a:outerShdw>
+              </a:effectLst>
+            </a:endParaRPr>
+          </a:p>
+          <a:p>
+            <a:r>
+              <a:rPr lang="en-US" sz="1800" b="1" dirty="0">
+                <a:solidFill>
+                  <a:schemeClr val="bg1">
+                    <a:lumMod val="95000"/>
+                  </a:schemeClr>
+                </a:solidFill>
+                <a:effectLst>
+                  <a:outerShdw blurRad="38100" dist="38100" dir="2700000" algn="tl">
+                    <a:srgbClr val="000000">
+                      <a:alpha val="43137"/>
+                    </a:srgbClr>
+                  </a:outerShdw>
+                </a:effectLst>
+              </a:rPr>
+              <a:t>e-b21</a:t>
+            </a:r>
+            <a:endParaRPr lang="LID4096" sz="1800" b="1" dirty="0">
+              <a:solidFill>
+                <a:schemeClr val="bg1">
+                  <a:lumMod val="95000"/>
+                </a:schemeClr>
+              </a:solidFill>
+              <a:effectLst>
+                <a:outerShdw blurRad="38100" dist="38100" dir="2700000" algn="tl">
+                  <a:srgbClr val="000000">
+                    <a:alpha val="43137"/>
+                  </a:srgbClr>
+                </a:outerShdw>
+              </a:effectLst>
+            </a:endParaRPr>
+          </a:p>
+        </p:txBody>
+      </p:sp>
+      <p:cxnSp>
+        <p:nvCxnSpPr>
+          <p:cNvPr id="87" name="Straight Connector 86">
+            <a:extLst>
+              <a:ext uri="{FF2B5EF4-FFF2-40B4-BE49-F238E27FC236}">
+                <a16:creationId xmlns:a16="http://schemas.microsoft.com/office/drawing/2014/main" id="{BCDAEC91-5BCE-4B55-9CC0-43EF94CB734B}"/>
+              </a:ext>
+              <a:ext uri="{C183D7F6-B498-43B3-948B-1728B52AA6E4}">
+                <adec:decorative xmlns:adec="http://schemas.microsoft.com/office/drawing/2017/decorative" val="1"/>
+              </a:ext>
+            </a:extLst>
+          </p:cNvPr>
+          <p:cNvCxnSpPr>
+            <a:cxnSpLocks noGrp="1" noRot="1" noChangeAspect="1" noMove="1" noResize="1" noEditPoints="1" noAdjustHandles="1" noChangeArrowheads="1" noChangeShapeType="1"/>
+          </p:cNvCxnSpPr>
+          <p:nvPr>
+            <p:extLst>
+              <p:ext uri="{386F3935-93C4-4BCD-93E2-E3B085C9AB24}">
+                <p16:designElem xmlns:p16="http://schemas.microsoft.com/office/powerpoint/2015/main" val="1"/>
+              </p:ext>
+            </p:extLst>
+          </p:nvPr>
+        </p:nvCxnSpPr>
+        <p:spPr>
+          <a:xfrm>
+            <a:off x="9480331" y="5123793"/>
+            <a:ext cx="935420" cy="0"/>
+          </a:xfrm>
+          <a:prstGeom prst="line">
+            <a:avLst/>
+          </a:prstGeom>
+          <a:ln w="25400" cap="sq">
+            <a:solidFill>
+              <a:schemeClr val="tx1">
+                <a:lumMod val="85000"/>
+                <a:lumOff val="15000"/>
+              </a:schemeClr>
+            </a:solidFill>
+            <a:bevel/>
+          </a:ln>
+        </p:spPr>
+        <p:style>
+          <a:lnRef idx="1">
+            <a:schemeClr val="accent1"/>
+          </a:lnRef>
+          <a:fillRef idx="0">
+            <a:schemeClr val="accent1"/>
+          </a:fillRef>
+          <a:effectRef idx="0">
+            <a:schemeClr val="accent1"/>
+          </a:effectRef>
+          <a:fontRef idx="minor">
+            <a:schemeClr val="tx1"/>
+          </a:fontRef>
+        </p:style>
+      </p:cxnSp>
+      <p:pic>
+        <p:nvPicPr>
+          <p:cNvPr id="5" name="Picture 4">
+            <a:extLst>
+              <a:ext uri="{FF2B5EF4-FFF2-40B4-BE49-F238E27FC236}">
+                <a16:creationId xmlns:a16="http://schemas.microsoft.com/office/drawing/2014/main" id="{793C2CB3-D1FA-40AB-AB0A-E77F94EDB963}"/>
+              </a:ext>
+            </a:extLst>
+          </p:cNvPr>
+          <p:cNvPicPr>
+            <a:picLocks noChangeAspect="1"/>
+          </p:cNvPicPr>
+          <p:nvPr/>
+        </p:nvPicPr>
+        <p:blipFill>
+          <a:blip r:embed="rId3"/>
+          <a:stretch>
+            <a:fillRect/>
+          </a:stretch>
+        </p:blipFill>
+        <p:spPr>
+          <a:xfrm>
+            <a:off x="235894" y="131699"/>
+            <a:ext cx="2206268" cy="2544826"/>
+          </a:xfrm>
+          <a:prstGeom prst="rect">
+            <a:avLst/>
+          </a:prstGeom>
+        </p:spPr>
+      </p:pic>
+      <p:pic>
+        <p:nvPicPr>
+          <p:cNvPr id="1034" name="Picture 10" descr="https://scontent-ams4-1.xx.fbcdn.net/v/t1.15752-9/s2048x2048/61873291_368321040461959_4322615550967545856_n.jpg?_nc_cat=107&amp;_nc_ht=scontent-ams4-1.xx&amp;oh=00a400229feb0718881672a5c9a9aa67&amp;oe=5D94752C">
+            <a:extLst>
+              <a:ext uri="{FF2B5EF4-FFF2-40B4-BE49-F238E27FC236}">
+                <a16:creationId xmlns:a16="http://schemas.microsoft.com/office/drawing/2014/main" id="{D7200B7B-6B99-4EDA-8D9D-D64A27FA8276}"/>
+              </a:ext>
+            </a:extLst>
+          </p:cNvPr>
+          <p:cNvPicPr>
+            <a:picLocks noChangeAspect="1" noChangeArrowheads="1"/>
+          </p:cNvPicPr>
+          <p:nvPr/>
+        </p:nvPicPr>
+        <p:blipFill>
+          <a:blip r:embed="rId4">
+            <a:extLst>
+              <a:ext uri="{28A0092B-C50C-407E-A947-70E740481C1C}">
+                <a14:useLocalDpi xmlns:a14="http://schemas.microsoft.com/office/drawing/2010/main" val="0"/>
+              </a:ext>
+            </a:extLst>
+          </a:blip>
+          <a:srcRect/>
+          <a:stretch>
+            <a:fillRect/>
+          </a:stretch>
+        </p:blipFill>
+        <p:spPr bwMode="auto">
+          <a:xfrm>
+            <a:off x="3261793" y="131699"/>
+            <a:ext cx="2525140" cy="2525140"/>
+          </a:xfrm>
+          <a:prstGeom prst="rect">
+            <a:avLst/>
+          </a:prstGeom>
+          <a:noFill/>
+          <a:extLst>
+            <a:ext uri="{909E8E84-426E-40DD-AFC4-6F175D3DCCD1}">
+              <a14:hiddenFill xmlns:a14="http://schemas.microsoft.com/office/drawing/2010/main">
+                <a:solidFill>
+                  <a:srgbClr val="FFFFFF"/>
+                </a:solidFill>
+              </a14:hiddenFill>
+            </a:ext>
+          </a:extLst>
+        </p:spPr>
+      </p:pic>
+      <p:sp>
+        <p:nvSpPr>
+          <p:cNvPr id="22" name="Subtitle 2">
+            <a:extLst>
+              <a:ext uri="{FF2B5EF4-FFF2-40B4-BE49-F238E27FC236}">
+                <a16:creationId xmlns:a16="http://schemas.microsoft.com/office/drawing/2014/main" id="{CF13B4F2-5519-4023-A003-ED7438EAC81D}"/>
+              </a:ext>
+            </a:extLst>
+          </p:cNvPr>
+          <p:cNvSpPr txBox="1">
+            <a:spLocks/>
+          </p:cNvSpPr>
+          <p:nvPr/>
+        </p:nvSpPr>
+        <p:spPr>
+          <a:xfrm>
+            <a:off x="3482794" y="2656839"/>
+            <a:ext cx="2189202" cy="1035269"/>
+          </a:xfrm>
+          <a:prstGeom prst="rect">
+            <a:avLst/>
+          </a:prstGeom>
+        </p:spPr>
+        <p:txBody>
+          <a:bodyPr vert="horz" lIns="91440" tIns="45720" rIns="91440" bIns="45720" rtlCol="0">
+            <a:normAutofit/>
+          </a:bodyPr>
+          <a:lstStyle>
+            <a:lvl1pPr marL="0" indent="0" algn="ctr" defTabSz="914400" rtl="0" eaLnBrk="1" latinLnBrk="0" hangingPunct="1">
+              <a:lnSpc>
+                <a:spcPct val="90000"/>
+              </a:lnSpc>
+              <a:spcBef>
+                <a:spcPts val="1000"/>
+              </a:spcBef>
+              <a:buFont typeface="Arial" panose="020B0604020202020204" pitchFamily="34" charset="0"/>
+              <a:buNone/>
+              <a:defRPr sz="2400" kern="1200">
+                <a:solidFill>
+                  <a:schemeClr val="tx1"/>
+                </a:solidFill>
+                <a:latin typeface="+mn-lt"/>
+                <a:ea typeface="+mn-ea"/>
+                <a:cs typeface="+mn-cs"/>
+              </a:defRPr>
+            </a:lvl1pPr>
+            <a:lvl2pPr marL="457200" indent="0" algn="ctr" defTabSz="914400" rtl="0" eaLnBrk="1" latinLnBrk="0" hangingPunct="1">
+              <a:lnSpc>
+                <a:spcPct val="90000"/>
+              </a:lnSpc>
+              <a:spcBef>
+                <a:spcPts val="500"/>
+              </a:spcBef>
+              <a:buFont typeface="Arial" panose="020B0604020202020204" pitchFamily="34" charset="0"/>
+              <a:buNone/>
+              <a:defRPr sz="2000" kern="1200">
+                <a:solidFill>
+                  <a:schemeClr val="tx1"/>
+                </a:solidFill>
+                <a:latin typeface="+mn-lt"/>
+                <a:ea typeface="+mn-ea"/>
+                <a:cs typeface="+mn-cs"/>
+              </a:defRPr>
+            </a:lvl2pPr>
+            <a:lvl3pPr marL="914400" indent="0" algn="ctr" defTabSz="914400" rtl="0" eaLnBrk="1" latinLnBrk="0" hangingPunct="1">
+              <a:lnSpc>
+                <a:spcPct val="90000"/>
+              </a:lnSpc>
+              <a:spcBef>
+                <a:spcPts val="500"/>
+              </a:spcBef>
+              <a:buFont typeface="Arial" panose="020B0604020202020204" pitchFamily="34" charset="0"/>
+              <a:buNone/>
+              <a:defRPr sz="1800" kern="1200">
+                <a:solidFill>
+                  <a:schemeClr val="tx1"/>
+                </a:solidFill>
+                <a:latin typeface="+mn-lt"/>
+                <a:ea typeface="+mn-ea"/>
+                <a:cs typeface="+mn-cs"/>
+              </a:defRPr>
+            </a:lvl3pPr>
+            <a:lvl4pPr marL="1371600" indent="0" algn="ctr" defTabSz="914400" rtl="0" eaLnBrk="1" latinLnBrk="0" hangingPunct="1">
+              <a:lnSpc>
+                <a:spcPct val="90000"/>
+              </a:lnSpc>
+              <a:spcBef>
+                <a:spcPts val="500"/>
+              </a:spcBef>
+              <a:buFont typeface="Arial" panose="020B0604020202020204" pitchFamily="34" charset="0"/>
+              <a:buNone/>
+              <a:defRPr sz="1600" kern="1200">
+                <a:solidFill>
+                  <a:schemeClr val="tx1"/>
+                </a:solidFill>
+                <a:latin typeface="+mn-lt"/>
+                <a:ea typeface="+mn-ea"/>
+                <a:cs typeface="+mn-cs"/>
+              </a:defRPr>
+            </a:lvl4pPr>
+            <a:lvl5pPr marL="1828800" indent="0" algn="ctr" defTabSz="914400" rtl="0" eaLnBrk="1" latinLnBrk="0" hangingPunct="1">
+              <a:lnSpc>
+                <a:spcPct val="90000"/>
+              </a:lnSpc>
+              <a:spcBef>
+                <a:spcPts val="500"/>
+              </a:spcBef>
+              <a:buFont typeface="Arial" panose="020B0604020202020204" pitchFamily="34" charset="0"/>
+              <a:buNone/>
+              <a:defRPr sz="1600" kern="1200">
+                <a:solidFill>
+                  <a:schemeClr val="tx1"/>
+                </a:solidFill>
+                <a:latin typeface="+mn-lt"/>
+                <a:ea typeface="+mn-ea"/>
+                <a:cs typeface="+mn-cs"/>
+              </a:defRPr>
+            </a:lvl5pPr>
+            <a:lvl6pPr marL="2286000" indent="0" algn="ctr" defTabSz="914400" rtl="0" eaLnBrk="1" latinLnBrk="0" hangingPunct="1">
+              <a:lnSpc>
+                <a:spcPct val="90000"/>
+              </a:lnSpc>
+              <a:spcBef>
+                <a:spcPts val="500"/>
+              </a:spcBef>
+              <a:buFont typeface="Arial" panose="020B0604020202020204" pitchFamily="34" charset="0"/>
+              <a:buNone/>
+              <a:defRPr sz="1600" kern="1200">
+                <a:solidFill>
+                  <a:schemeClr val="tx1"/>
+                </a:solidFill>
+                <a:latin typeface="+mn-lt"/>
+                <a:ea typeface="+mn-ea"/>
+                <a:cs typeface="+mn-cs"/>
+              </a:defRPr>
+            </a:lvl6pPr>
+            <a:lvl7pPr marL="2743200" indent="0" algn="ctr" defTabSz="914400" rtl="0" eaLnBrk="1" latinLnBrk="0" hangingPunct="1">
+              <a:lnSpc>
+                <a:spcPct val="90000"/>
+              </a:lnSpc>
+              <a:spcBef>
+                <a:spcPts val="500"/>
+              </a:spcBef>
+              <a:buFont typeface="Arial" panose="020B0604020202020204" pitchFamily="34" charset="0"/>
+              <a:buNone/>
+              <a:defRPr sz="1600" kern="1200">
+                <a:solidFill>
+                  <a:schemeClr val="tx1"/>
+                </a:solidFill>
+                <a:latin typeface="+mn-lt"/>
+                <a:ea typeface="+mn-ea"/>
+                <a:cs typeface="+mn-cs"/>
+              </a:defRPr>
+            </a:lvl7pPr>
+            <a:lvl8pPr marL="3200400" indent="0" algn="ctr" defTabSz="914400" rtl="0" eaLnBrk="1" latinLnBrk="0" hangingPunct="1">
+              <a:lnSpc>
+                <a:spcPct val="90000"/>
+              </a:lnSpc>
+              <a:spcBef>
+                <a:spcPts val="500"/>
+              </a:spcBef>
+              <a:buFont typeface="Arial" panose="020B0604020202020204" pitchFamily="34" charset="0"/>
+              <a:buNone/>
+              <a:defRPr sz="1600" kern="1200">
+                <a:solidFill>
+                  <a:schemeClr val="tx1"/>
+                </a:solidFill>
+                <a:latin typeface="+mn-lt"/>
+                <a:ea typeface="+mn-ea"/>
+                <a:cs typeface="+mn-cs"/>
+              </a:defRPr>
+            </a:lvl8pPr>
+            <a:lvl9pPr marL="3657600" indent="0" algn="ctr" defTabSz="914400" rtl="0" eaLnBrk="1" latinLnBrk="0" hangingPunct="1">
+              <a:lnSpc>
+                <a:spcPct val="90000"/>
+              </a:lnSpc>
+              <a:spcBef>
+                <a:spcPts val="500"/>
+              </a:spcBef>
+              <a:buFont typeface="Arial" panose="020B0604020202020204" pitchFamily="34" charset="0"/>
+              <a:buNone/>
+              <a:defRPr sz="1600" kern="1200">
+                <a:solidFill>
+                  <a:schemeClr val="tx1"/>
+                </a:solidFill>
+                <a:latin typeface="+mn-lt"/>
+                <a:ea typeface="+mn-ea"/>
+                <a:cs typeface="+mn-cs"/>
+              </a:defRPr>
+            </a:lvl9pPr>
+          </a:lstStyle>
+          <a:p>
+            <a:r>
+              <a:rPr lang="en-US" sz="1800" b="1" dirty="0" err="1">
+                <a:solidFill>
+                  <a:schemeClr val="bg1">
+                    <a:lumMod val="95000"/>
+                  </a:schemeClr>
+                </a:solidFill>
+                <a:effectLst>
+                  <a:outerShdw blurRad="38100" dist="38100" dir="2700000" algn="tl">
+                    <a:srgbClr val="000000">
+                      <a:alpha val="43137"/>
+                    </a:srgbClr>
+                  </a:outerShdw>
+                </a:effectLst>
+              </a:rPr>
+              <a:t>Dimitr</a:t>
+            </a:r>
+            <a:r>
+              <a:rPr lang="en-US" sz="1800" b="1" dirty="0">
+                <a:solidFill>
+                  <a:schemeClr val="bg1">
+                    <a:lumMod val="95000"/>
+                  </a:schemeClr>
+                </a:solidFill>
+                <a:effectLst>
+                  <a:outerShdw blurRad="38100" dist="38100" dir="2700000" algn="tl">
+                    <a:srgbClr val="000000">
+                      <a:alpha val="43137"/>
+                    </a:srgbClr>
+                  </a:outerShdw>
+                </a:effectLst>
+              </a:rPr>
+              <a:t> Ivanov</a:t>
+            </a:r>
+          </a:p>
+          <a:p>
+            <a:r>
+              <a:rPr lang="en-US" sz="1800" b="1" dirty="0">
+                <a:solidFill>
+                  <a:schemeClr val="bg1">
+                    <a:lumMod val="95000"/>
+                  </a:schemeClr>
+                </a:solidFill>
+                <a:effectLst>
+                  <a:outerShdw blurRad="38100" dist="38100" dir="2700000" algn="tl">
+                    <a:srgbClr val="000000">
+                      <a:alpha val="43137"/>
+                    </a:srgbClr>
+                  </a:outerShdw>
+                </a:effectLst>
+              </a:rPr>
+              <a:t>e-s26</a:t>
+            </a:r>
+            <a:endParaRPr lang="LID4096" sz="1800" b="1" dirty="0">
+              <a:solidFill>
+                <a:schemeClr val="bg1">
+                  <a:lumMod val="95000"/>
+                </a:schemeClr>
+              </a:solidFill>
+              <a:effectLst>
+                <a:outerShdw blurRad="38100" dist="38100" dir="2700000" algn="tl">
+                  <a:srgbClr val="000000">
+                    <a:alpha val="43137"/>
+                  </a:srgbClr>
+                </a:outerShdw>
+              </a:effectLst>
+            </a:endParaRPr>
+          </a:p>
+        </p:txBody>
+      </p:sp>
+      <p:sp>
+        <p:nvSpPr>
+          <p:cNvPr id="23" name="Title 1">
+            <a:extLst>
+              <a:ext uri="{FF2B5EF4-FFF2-40B4-BE49-F238E27FC236}">
+                <a16:creationId xmlns:a16="http://schemas.microsoft.com/office/drawing/2014/main" id="{B93CB5F5-5ECC-4FBF-9698-8E3445B56A29}"/>
+              </a:ext>
+            </a:extLst>
+          </p:cNvPr>
+          <p:cNvSpPr txBox="1">
+            <a:spLocks/>
+          </p:cNvSpPr>
+          <p:nvPr/>
+        </p:nvSpPr>
+        <p:spPr>
+          <a:xfrm>
+            <a:off x="8022021" y="5023944"/>
+            <a:ext cx="3852041" cy="1405431"/>
+          </a:xfrm>
+          <a:prstGeom prst="rect">
+            <a:avLst/>
+          </a:prstGeom>
+        </p:spPr>
+        <p:txBody>
+          <a:bodyPr vert="horz" lIns="91440" tIns="45720" rIns="91440" bIns="45720" rtlCol="0" anchor="b">
+            <a:normAutofit/>
+          </a:bodyPr>
+          <a:lstStyle>
+            <a:lvl1pPr algn="ctr" defTabSz="914400" rtl="0" eaLnBrk="1" latinLnBrk="0" hangingPunct="1">
+              <a:lnSpc>
+                <a:spcPct val="90000"/>
+              </a:lnSpc>
+              <a:spcBef>
+                <a:spcPct val="0"/>
+              </a:spcBef>
+              <a:buNone/>
+              <a:defRPr sz="6000" kern="1200">
+                <a:solidFill>
+                  <a:schemeClr val="tx1"/>
+                </a:solidFill>
+                <a:latin typeface="+mj-lt"/>
+                <a:ea typeface="+mj-ea"/>
+                <a:cs typeface="+mj-cs"/>
+              </a:defRPr>
+            </a:lvl1pPr>
+          </a:lstStyle>
+          <a:p>
+            <a:r>
+              <a:rPr lang="en-US" sz="4000" dirty="0"/>
+              <a:t>“Mad projects”</a:t>
+            </a:r>
+            <a:br>
+              <a:rPr lang="en-US" sz="4000" dirty="0"/>
+            </a:br>
+            <a:endParaRPr lang="LID4096" sz="4000" dirty="0"/>
+          </a:p>
+        </p:txBody>
+      </p:sp>
+      <p:pic>
+        <p:nvPicPr>
+          <p:cNvPr id="1036" name="Picture 12" descr="https://scontent-ams4-1.xx.fbcdn.net/v/t1.15752-9/61995230_2268641350020041_7437420357666996224_n.jpg?_nc_cat=110&amp;_nc_ht=scontent-ams4-1.xx&amp;oh=6fc96d01a8339f11a14ef8751f49ba3a&amp;oe=5D95402C">
+            <a:extLst>
+              <a:ext uri="{FF2B5EF4-FFF2-40B4-BE49-F238E27FC236}">
+                <a16:creationId xmlns:a16="http://schemas.microsoft.com/office/drawing/2014/main" id="{CC50E333-27E7-4F25-B8B8-C3FC147963C8}"/>
+              </a:ext>
+            </a:extLst>
+          </p:cNvPr>
+          <p:cNvPicPr>
+            <a:picLocks noChangeAspect="1" noChangeArrowheads="1"/>
+          </p:cNvPicPr>
+          <p:nvPr/>
+        </p:nvPicPr>
+        <p:blipFill>
+          <a:blip r:embed="rId5">
+            <a:extLst>
+              <a:ext uri="{28A0092B-C50C-407E-A947-70E740481C1C}">
+                <a14:useLocalDpi xmlns:a14="http://schemas.microsoft.com/office/drawing/2010/main" val="0"/>
+              </a:ext>
+            </a:extLst>
+          </a:blip>
+          <a:srcRect/>
+          <a:stretch>
+            <a:fillRect/>
+          </a:stretch>
+        </p:blipFill>
+        <p:spPr bwMode="auto">
+          <a:xfrm>
+            <a:off x="1822227" y="3133725"/>
+            <a:ext cx="2231957" cy="2928490"/>
+          </a:xfrm>
+          <a:prstGeom prst="rect">
+            <a:avLst/>
+          </a:prstGeom>
+          <a:noFill/>
+          <a:extLst>
+            <a:ext uri="{909E8E84-426E-40DD-AFC4-6F175D3DCCD1}">
+              <a14:hiddenFill xmlns:a14="http://schemas.microsoft.com/office/drawing/2010/main">
+                <a:solidFill>
+                  <a:srgbClr val="FFFFFF"/>
+                </a:solidFill>
+              </a14:hiddenFill>
+            </a:ext>
+          </a:extLst>
+        </p:spPr>
+      </p:pic>
+      <p:sp>
+        <p:nvSpPr>
+          <p:cNvPr id="25" name="Subtitle 2">
+            <a:extLst>
+              <a:ext uri="{FF2B5EF4-FFF2-40B4-BE49-F238E27FC236}">
+                <a16:creationId xmlns:a16="http://schemas.microsoft.com/office/drawing/2014/main" id="{4D3449CB-5CF2-4520-B069-27084A1A8648}"/>
+              </a:ext>
+            </a:extLst>
+          </p:cNvPr>
+          <p:cNvSpPr txBox="1">
+            <a:spLocks/>
+          </p:cNvSpPr>
+          <p:nvPr/>
+        </p:nvSpPr>
+        <p:spPr>
+          <a:xfrm>
+            <a:off x="1907738" y="6069454"/>
+            <a:ext cx="2189202" cy="1035269"/>
+          </a:xfrm>
+          <a:prstGeom prst="rect">
+            <a:avLst/>
+          </a:prstGeom>
+        </p:spPr>
+        <p:txBody>
+          <a:bodyPr vert="horz" lIns="91440" tIns="45720" rIns="91440" bIns="45720" rtlCol="0">
+            <a:normAutofit/>
+          </a:bodyPr>
+          <a:lstStyle>
+            <a:lvl1pPr marL="0" indent="0" algn="ctr" defTabSz="914400" rtl="0" eaLnBrk="1" latinLnBrk="0" hangingPunct="1">
+              <a:lnSpc>
+                <a:spcPct val="90000"/>
+              </a:lnSpc>
+              <a:spcBef>
+                <a:spcPts val="1000"/>
+              </a:spcBef>
+              <a:buFont typeface="Arial" panose="020B0604020202020204" pitchFamily="34" charset="0"/>
+              <a:buNone/>
+              <a:defRPr sz="2400" kern="1200">
+                <a:solidFill>
+                  <a:schemeClr val="tx1"/>
+                </a:solidFill>
+                <a:latin typeface="+mn-lt"/>
+                <a:ea typeface="+mn-ea"/>
+                <a:cs typeface="+mn-cs"/>
+              </a:defRPr>
+            </a:lvl1pPr>
+            <a:lvl2pPr marL="457200" indent="0" algn="ctr" defTabSz="914400" rtl="0" eaLnBrk="1" latinLnBrk="0" hangingPunct="1">
+              <a:lnSpc>
+                <a:spcPct val="90000"/>
+              </a:lnSpc>
+              <a:spcBef>
+                <a:spcPts val="500"/>
+              </a:spcBef>
+              <a:buFont typeface="Arial" panose="020B0604020202020204" pitchFamily="34" charset="0"/>
+              <a:buNone/>
+              <a:defRPr sz="2000" kern="1200">
+                <a:solidFill>
+                  <a:schemeClr val="tx1"/>
+                </a:solidFill>
+                <a:latin typeface="+mn-lt"/>
+                <a:ea typeface="+mn-ea"/>
+                <a:cs typeface="+mn-cs"/>
+              </a:defRPr>
+            </a:lvl2pPr>
+            <a:lvl3pPr marL="914400" indent="0" algn="ctr" defTabSz="914400" rtl="0" eaLnBrk="1" latinLnBrk="0" hangingPunct="1">
+              <a:lnSpc>
+                <a:spcPct val="90000"/>
+              </a:lnSpc>
+              <a:spcBef>
+                <a:spcPts val="500"/>
+              </a:spcBef>
+              <a:buFont typeface="Arial" panose="020B0604020202020204" pitchFamily="34" charset="0"/>
+              <a:buNone/>
+              <a:defRPr sz="1800" kern="1200">
+                <a:solidFill>
+                  <a:schemeClr val="tx1"/>
+                </a:solidFill>
+                <a:latin typeface="+mn-lt"/>
+                <a:ea typeface="+mn-ea"/>
+                <a:cs typeface="+mn-cs"/>
+              </a:defRPr>
+            </a:lvl3pPr>
+            <a:lvl4pPr marL="1371600" indent="0" algn="ctr" defTabSz="914400" rtl="0" eaLnBrk="1" latinLnBrk="0" hangingPunct="1">
+              <a:lnSpc>
+                <a:spcPct val="90000"/>
+              </a:lnSpc>
+              <a:spcBef>
+                <a:spcPts val="500"/>
+              </a:spcBef>
+              <a:buFont typeface="Arial" panose="020B0604020202020204" pitchFamily="34" charset="0"/>
+              <a:buNone/>
+              <a:defRPr sz="1600" kern="1200">
+                <a:solidFill>
+                  <a:schemeClr val="tx1"/>
+                </a:solidFill>
+                <a:latin typeface="+mn-lt"/>
+                <a:ea typeface="+mn-ea"/>
+                <a:cs typeface="+mn-cs"/>
+              </a:defRPr>
+            </a:lvl4pPr>
+            <a:lvl5pPr marL="1828800" indent="0" algn="ctr" defTabSz="914400" rtl="0" eaLnBrk="1" latinLnBrk="0" hangingPunct="1">
+              <a:lnSpc>
+                <a:spcPct val="90000"/>
+              </a:lnSpc>
+              <a:spcBef>
+                <a:spcPts val="500"/>
+              </a:spcBef>
+              <a:buFont typeface="Arial" panose="020B0604020202020204" pitchFamily="34" charset="0"/>
+              <a:buNone/>
+              <a:defRPr sz="1600" kern="1200">
+                <a:solidFill>
+                  <a:schemeClr val="tx1"/>
+                </a:solidFill>
+                <a:latin typeface="+mn-lt"/>
+                <a:ea typeface="+mn-ea"/>
+                <a:cs typeface="+mn-cs"/>
+              </a:defRPr>
+            </a:lvl5pPr>
+            <a:lvl6pPr marL="2286000" indent="0" algn="ctr" defTabSz="914400" rtl="0" eaLnBrk="1" latinLnBrk="0" hangingPunct="1">
+              <a:lnSpc>
+                <a:spcPct val="90000"/>
+              </a:lnSpc>
+              <a:spcBef>
+                <a:spcPts val="500"/>
+              </a:spcBef>
+              <a:buFont typeface="Arial" panose="020B0604020202020204" pitchFamily="34" charset="0"/>
+              <a:buNone/>
+              <a:defRPr sz="1600" kern="1200">
+                <a:solidFill>
+                  <a:schemeClr val="tx1"/>
+                </a:solidFill>
+                <a:latin typeface="+mn-lt"/>
+                <a:ea typeface="+mn-ea"/>
+                <a:cs typeface="+mn-cs"/>
+              </a:defRPr>
+            </a:lvl6pPr>
+            <a:lvl7pPr marL="2743200" indent="0" algn="ctr" defTabSz="914400" rtl="0" eaLnBrk="1" latinLnBrk="0" hangingPunct="1">
+              <a:lnSpc>
+                <a:spcPct val="90000"/>
+              </a:lnSpc>
+              <a:spcBef>
+                <a:spcPts val="500"/>
+              </a:spcBef>
+              <a:buFont typeface="Arial" panose="020B0604020202020204" pitchFamily="34" charset="0"/>
+              <a:buNone/>
+              <a:defRPr sz="1600" kern="1200">
+                <a:solidFill>
+                  <a:schemeClr val="tx1"/>
+                </a:solidFill>
+                <a:latin typeface="+mn-lt"/>
+                <a:ea typeface="+mn-ea"/>
+                <a:cs typeface="+mn-cs"/>
+              </a:defRPr>
+            </a:lvl7pPr>
+            <a:lvl8pPr marL="3200400" indent="0" algn="ctr" defTabSz="914400" rtl="0" eaLnBrk="1" latinLnBrk="0" hangingPunct="1">
+              <a:lnSpc>
+                <a:spcPct val="90000"/>
+              </a:lnSpc>
+              <a:spcBef>
+                <a:spcPts val="500"/>
+              </a:spcBef>
+              <a:buFont typeface="Arial" panose="020B0604020202020204" pitchFamily="34" charset="0"/>
+              <a:buNone/>
+              <a:defRPr sz="1600" kern="1200">
+                <a:solidFill>
+                  <a:schemeClr val="tx1"/>
+                </a:solidFill>
+                <a:latin typeface="+mn-lt"/>
+                <a:ea typeface="+mn-ea"/>
+                <a:cs typeface="+mn-cs"/>
+              </a:defRPr>
+            </a:lvl8pPr>
+            <a:lvl9pPr marL="3657600" indent="0" algn="ctr" defTabSz="914400" rtl="0" eaLnBrk="1" latinLnBrk="0" hangingPunct="1">
+              <a:lnSpc>
+                <a:spcPct val="90000"/>
+              </a:lnSpc>
+              <a:spcBef>
+                <a:spcPts val="500"/>
+              </a:spcBef>
+              <a:buFont typeface="Arial" panose="020B0604020202020204" pitchFamily="34" charset="0"/>
+              <a:buNone/>
+              <a:defRPr sz="1600" kern="1200">
+                <a:solidFill>
+                  <a:schemeClr val="tx1"/>
+                </a:solidFill>
+                <a:latin typeface="+mn-lt"/>
+                <a:ea typeface="+mn-ea"/>
+                <a:cs typeface="+mn-cs"/>
+              </a:defRPr>
+            </a:lvl9pPr>
+          </a:lstStyle>
+          <a:p>
+            <a:r>
+              <a:rPr lang="en-US" sz="1800" b="1" dirty="0">
+                <a:solidFill>
+                  <a:schemeClr val="bg1">
+                    <a:lumMod val="95000"/>
+                  </a:schemeClr>
+                </a:solidFill>
+                <a:effectLst>
+                  <a:outerShdw blurRad="38100" dist="38100" dir="2700000" algn="tl">
+                    <a:srgbClr val="000000">
+                      <a:alpha val="43137"/>
+                    </a:srgbClr>
+                  </a:outerShdw>
+                </a:effectLst>
+              </a:rPr>
+              <a:t>David </a:t>
+            </a:r>
+            <a:r>
+              <a:rPr lang="en-US" sz="1800" b="1" dirty="0" err="1">
+                <a:solidFill>
+                  <a:schemeClr val="bg1">
+                    <a:lumMod val="95000"/>
+                  </a:schemeClr>
+                </a:solidFill>
+                <a:effectLst>
+                  <a:outerShdw blurRad="38100" dist="38100" dir="2700000" algn="tl">
+                    <a:srgbClr val="000000">
+                      <a:alpha val="43137"/>
+                    </a:srgbClr>
+                  </a:outerShdw>
+                </a:effectLst>
+              </a:rPr>
+              <a:t>Hooi</a:t>
+            </a:r>
+            <a:endParaRPr lang="en-US" sz="1800" b="1" dirty="0">
+              <a:solidFill>
+                <a:schemeClr val="bg1">
+                  <a:lumMod val="95000"/>
+                </a:schemeClr>
+              </a:solidFill>
+              <a:effectLst>
+                <a:outerShdw blurRad="38100" dist="38100" dir="2700000" algn="tl">
+                  <a:srgbClr val="000000">
+                    <a:alpha val="43137"/>
+                  </a:srgbClr>
+                </a:outerShdw>
+              </a:effectLst>
+            </a:endParaRPr>
+          </a:p>
+          <a:p>
+            <a:r>
+              <a:rPr lang="en-US" sz="1800" b="1" dirty="0">
+                <a:solidFill>
+                  <a:schemeClr val="bg1">
+                    <a:lumMod val="95000"/>
+                  </a:schemeClr>
+                </a:solidFill>
+                <a:effectLst>
+                  <a:outerShdw blurRad="38100" dist="38100" dir="2700000" algn="tl">
+                    <a:srgbClr val="000000">
+                      <a:alpha val="43137"/>
+                    </a:srgbClr>
+                  </a:outerShdw>
+                </a:effectLst>
+              </a:rPr>
+              <a:t>e-t21</a:t>
+            </a:r>
+            <a:endParaRPr lang="LID4096" sz="1800" b="1" dirty="0">
+              <a:solidFill>
+                <a:schemeClr val="bg1">
+                  <a:lumMod val="95000"/>
+                </a:schemeClr>
+              </a:solidFill>
+              <a:effectLst>
+                <a:outerShdw blurRad="38100" dist="38100" dir="2700000" algn="tl">
+                  <a:srgbClr val="000000">
+                    <a:alpha val="43137"/>
+                  </a:srgbClr>
+                </a:outerShdw>
+              </a:effectLst>
+            </a:endParaRPr>
+          </a:p>
+        </p:txBody>
+      </p:sp>
+      <p:pic>
+        <p:nvPicPr>
+          <p:cNvPr id="1040" name="Picture 16" descr="https://scontent-ams4-1.xx.fbcdn.net/v/t1.15752-9/s2048x2048/62221856_2278921725758598_8862095459682877440_n.jpg?_nc_cat=104&amp;_nc_ht=scontent-ams4-1.xx&amp;oh=572396a9654694acb811b13a89003f7d&amp;oe=5D8C80CD">
+            <a:extLst>
+              <a:ext uri="{FF2B5EF4-FFF2-40B4-BE49-F238E27FC236}">
+                <a16:creationId xmlns:a16="http://schemas.microsoft.com/office/drawing/2014/main" id="{16E45752-4525-419E-871B-DD5794152750}"/>
+              </a:ext>
+            </a:extLst>
+          </p:cNvPr>
+          <p:cNvPicPr>
+            <a:picLocks noChangeAspect="1" noChangeArrowheads="1"/>
+          </p:cNvPicPr>
+          <p:nvPr/>
+        </p:nvPicPr>
+        <p:blipFill>
+          <a:blip r:embed="rId6">
+            <a:extLst>
+              <a:ext uri="{28A0092B-C50C-407E-A947-70E740481C1C}">
+                <a14:useLocalDpi xmlns:a14="http://schemas.microsoft.com/office/drawing/2010/main" val="0"/>
+              </a:ext>
+            </a:extLst>
+          </a:blip>
+          <a:srcRect/>
+          <a:stretch>
+            <a:fillRect/>
+          </a:stretch>
+        </p:blipFill>
+        <p:spPr bwMode="auto">
+          <a:xfrm>
+            <a:off x="5053738" y="3140963"/>
+            <a:ext cx="2303475" cy="2928491"/>
+          </a:xfrm>
+          <a:prstGeom prst="rect">
+            <a:avLst/>
+          </a:prstGeom>
+          <a:noFill/>
+          <a:extLst>
+            <a:ext uri="{909E8E84-426E-40DD-AFC4-6F175D3DCCD1}">
+              <a14:hiddenFill xmlns:a14="http://schemas.microsoft.com/office/drawing/2010/main">
+                <a:solidFill>
+                  <a:srgbClr val="FFFFFF"/>
+                </a:solidFill>
+              </a14:hiddenFill>
+            </a:ext>
+          </a:extLst>
+        </p:spPr>
+      </p:pic>
+      <p:sp>
+        <p:nvSpPr>
+          <p:cNvPr id="28" name="Subtitle 2">
+            <a:extLst>
+              <a:ext uri="{FF2B5EF4-FFF2-40B4-BE49-F238E27FC236}">
+                <a16:creationId xmlns:a16="http://schemas.microsoft.com/office/drawing/2014/main" id="{6CC76E58-E7AF-40C6-BE5D-3A170EFE7D8F}"/>
+              </a:ext>
+            </a:extLst>
+          </p:cNvPr>
+          <p:cNvSpPr txBox="1">
+            <a:spLocks/>
+          </p:cNvSpPr>
+          <p:nvPr/>
+        </p:nvSpPr>
+        <p:spPr>
+          <a:xfrm>
+            <a:off x="5124294" y="6028994"/>
+            <a:ext cx="2189202" cy="878651"/>
+          </a:xfrm>
+          <a:prstGeom prst="rect">
+            <a:avLst/>
+          </a:prstGeom>
+        </p:spPr>
+        <p:txBody>
+          <a:bodyPr vert="horz" lIns="91440" tIns="45720" rIns="91440" bIns="45720" rtlCol="0">
+            <a:normAutofit/>
+          </a:bodyPr>
+          <a:lstStyle>
+            <a:lvl1pPr marL="0" indent="0" algn="ctr" defTabSz="914400" rtl="0" eaLnBrk="1" latinLnBrk="0" hangingPunct="1">
+              <a:lnSpc>
+                <a:spcPct val="90000"/>
+              </a:lnSpc>
+              <a:spcBef>
+                <a:spcPts val="1000"/>
+              </a:spcBef>
+              <a:buFont typeface="Arial" panose="020B0604020202020204" pitchFamily="34" charset="0"/>
+              <a:buNone/>
+              <a:defRPr sz="2400" kern="1200">
+                <a:solidFill>
+                  <a:schemeClr val="tx1"/>
+                </a:solidFill>
+                <a:latin typeface="+mn-lt"/>
+                <a:ea typeface="+mn-ea"/>
+                <a:cs typeface="+mn-cs"/>
+              </a:defRPr>
+            </a:lvl1pPr>
+            <a:lvl2pPr marL="457200" indent="0" algn="ctr" defTabSz="914400" rtl="0" eaLnBrk="1" latinLnBrk="0" hangingPunct="1">
+              <a:lnSpc>
+                <a:spcPct val="90000"/>
+              </a:lnSpc>
+              <a:spcBef>
+                <a:spcPts val="500"/>
+              </a:spcBef>
+              <a:buFont typeface="Arial" panose="020B0604020202020204" pitchFamily="34" charset="0"/>
+              <a:buNone/>
+              <a:defRPr sz="2000" kern="1200">
+                <a:solidFill>
+                  <a:schemeClr val="tx1"/>
+                </a:solidFill>
+                <a:latin typeface="+mn-lt"/>
+                <a:ea typeface="+mn-ea"/>
+                <a:cs typeface="+mn-cs"/>
+              </a:defRPr>
+            </a:lvl2pPr>
+            <a:lvl3pPr marL="914400" indent="0" algn="ctr" defTabSz="914400" rtl="0" eaLnBrk="1" latinLnBrk="0" hangingPunct="1">
+              <a:lnSpc>
+                <a:spcPct val="90000"/>
+              </a:lnSpc>
+              <a:spcBef>
+                <a:spcPts val="500"/>
+              </a:spcBef>
+              <a:buFont typeface="Arial" panose="020B0604020202020204" pitchFamily="34" charset="0"/>
+              <a:buNone/>
+              <a:defRPr sz="1800" kern="1200">
+                <a:solidFill>
+                  <a:schemeClr val="tx1"/>
+                </a:solidFill>
+                <a:latin typeface="+mn-lt"/>
+                <a:ea typeface="+mn-ea"/>
+                <a:cs typeface="+mn-cs"/>
+              </a:defRPr>
+            </a:lvl3pPr>
+            <a:lvl4pPr marL="1371600" indent="0" algn="ctr" defTabSz="914400" rtl="0" eaLnBrk="1" latinLnBrk="0" hangingPunct="1">
+              <a:lnSpc>
+                <a:spcPct val="90000"/>
+              </a:lnSpc>
+              <a:spcBef>
+                <a:spcPts val="500"/>
+              </a:spcBef>
+              <a:buFont typeface="Arial" panose="020B0604020202020204" pitchFamily="34" charset="0"/>
+              <a:buNone/>
+              <a:defRPr sz="1600" kern="1200">
+                <a:solidFill>
+                  <a:schemeClr val="tx1"/>
+                </a:solidFill>
+                <a:latin typeface="+mn-lt"/>
+                <a:ea typeface="+mn-ea"/>
+                <a:cs typeface="+mn-cs"/>
+              </a:defRPr>
+            </a:lvl4pPr>
+            <a:lvl5pPr marL="1828800" indent="0" algn="ctr" defTabSz="914400" rtl="0" eaLnBrk="1" latinLnBrk="0" hangingPunct="1">
+              <a:lnSpc>
+                <a:spcPct val="90000"/>
+              </a:lnSpc>
+              <a:spcBef>
+                <a:spcPts val="500"/>
+              </a:spcBef>
+              <a:buFont typeface="Arial" panose="020B0604020202020204" pitchFamily="34" charset="0"/>
+              <a:buNone/>
+              <a:defRPr sz="1600" kern="1200">
+                <a:solidFill>
+                  <a:schemeClr val="tx1"/>
+                </a:solidFill>
+                <a:latin typeface="+mn-lt"/>
+                <a:ea typeface="+mn-ea"/>
+                <a:cs typeface="+mn-cs"/>
+              </a:defRPr>
+            </a:lvl5pPr>
+            <a:lvl6pPr marL="2286000" indent="0" algn="ctr" defTabSz="914400" rtl="0" eaLnBrk="1" latinLnBrk="0" hangingPunct="1">
+              <a:lnSpc>
+                <a:spcPct val="90000"/>
+              </a:lnSpc>
+              <a:spcBef>
+                <a:spcPts val="500"/>
+              </a:spcBef>
+              <a:buFont typeface="Arial" panose="020B0604020202020204" pitchFamily="34" charset="0"/>
+              <a:buNone/>
+              <a:defRPr sz="1600" kern="1200">
+                <a:solidFill>
+                  <a:schemeClr val="tx1"/>
+                </a:solidFill>
+                <a:latin typeface="+mn-lt"/>
+                <a:ea typeface="+mn-ea"/>
+                <a:cs typeface="+mn-cs"/>
+              </a:defRPr>
+            </a:lvl6pPr>
+            <a:lvl7pPr marL="2743200" indent="0" algn="ctr" defTabSz="914400" rtl="0" eaLnBrk="1" latinLnBrk="0" hangingPunct="1">
+              <a:lnSpc>
+                <a:spcPct val="90000"/>
+              </a:lnSpc>
+              <a:spcBef>
+                <a:spcPts val="500"/>
+              </a:spcBef>
+              <a:buFont typeface="Arial" panose="020B0604020202020204" pitchFamily="34" charset="0"/>
+              <a:buNone/>
+              <a:defRPr sz="1600" kern="1200">
+                <a:solidFill>
+                  <a:schemeClr val="tx1"/>
+                </a:solidFill>
+                <a:latin typeface="+mn-lt"/>
+                <a:ea typeface="+mn-ea"/>
+                <a:cs typeface="+mn-cs"/>
+              </a:defRPr>
+            </a:lvl7pPr>
+            <a:lvl8pPr marL="3200400" indent="0" algn="ctr" defTabSz="914400" rtl="0" eaLnBrk="1" latinLnBrk="0" hangingPunct="1">
+              <a:lnSpc>
+                <a:spcPct val="90000"/>
+              </a:lnSpc>
+              <a:spcBef>
+                <a:spcPts val="500"/>
+              </a:spcBef>
+              <a:buFont typeface="Arial" panose="020B0604020202020204" pitchFamily="34" charset="0"/>
+              <a:buNone/>
+              <a:defRPr sz="1600" kern="1200">
+                <a:solidFill>
+                  <a:schemeClr val="tx1"/>
+                </a:solidFill>
+                <a:latin typeface="+mn-lt"/>
+                <a:ea typeface="+mn-ea"/>
+                <a:cs typeface="+mn-cs"/>
+              </a:defRPr>
+            </a:lvl8pPr>
+            <a:lvl9pPr marL="3657600" indent="0" algn="ctr" defTabSz="914400" rtl="0" eaLnBrk="1" latinLnBrk="0" hangingPunct="1">
+              <a:lnSpc>
+                <a:spcPct val="90000"/>
+              </a:lnSpc>
+              <a:spcBef>
+                <a:spcPts val="500"/>
+              </a:spcBef>
+              <a:buFont typeface="Arial" panose="020B0604020202020204" pitchFamily="34" charset="0"/>
+              <a:buNone/>
+              <a:defRPr sz="1600" kern="1200">
+                <a:solidFill>
+                  <a:schemeClr val="tx1"/>
+                </a:solidFill>
+                <a:latin typeface="+mn-lt"/>
+                <a:ea typeface="+mn-ea"/>
+                <a:cs typeface="+mn-cs"/>
+              </a:defRPr>
+            </a:lvl9pPr>
+          </a:lstStyle>
+          <a:p>
+            <a:r>
+              <a:rPr lang="en-US" sz="1800" b="1" dirty="0">
+                <a:solidFill>
+                  <a:schemeClr val="bg1"/>
+                </a:solidFill>
+                <a:effectLst>
+                  <a:outerShdw blurRad="38100" dist="38100" dir="2700000" algn="tl">
+                    <a:srgbClr val="000000">
+                      <a:alpha val="43137"/>
+                    </a:srgbClr>
+                  </a:outerShdw>
+                </a:effectLst>
+              </a:rPr>
+              <a:t>Martin </a:t>
+            </a:r>
+            <a:r>
+              <a:rPr lang="en-US" sz="1800" b="1" dirty="0" err="1">
+                <a:solidFill>
+                  <a:schemeClr val="bg1"/>
+                </a:solidFill>
+                <a:effectLst>
+                  <a:outerShdw blurRad="38100" dist="38100" dir="2700000" algn="tl">
+                    <a:srgbClr val="000000">
+                      <a:alpha val="43137"/>
+                    </a:srgbClr>
+                  </a:outerShdw>
+                </a:effectLst>
+              </a:rPr>
+              <a:t>Grigorov</a:t>
+            </a:r>
+            <a:endParaRPr lang="en-US" sz="1800" b="1" dirty="0">
+              <a:solidFill>
+                <a:schemeClr val="bg1"/>
+              </a:solidFill>
+              <a:effectLst>
+                <a:outerShdw blurRad="38100" dist="38100" dir="2700000" algn="tl">
+                  <a:srgbClr val="000000">
+                    <a:alpha val="43137"/>
+                  </a:srgbClr>
+                </a:outerShdw>
+              </a:effectLst>
+            </a:endParaRPr>
+          </a:p>
+          <a:p>
+            <a:r>
+              <a:rPr lang="en-US" sz="1800" b="1" dirty="0">
+                <a:solidFill>
+                  <a:schemeClr val="bg1"/>
+                </a:solidFill>
+                <a:effectLst>
+                  <a:outerShdw blurRad="38100" dist="38100" dir="2700000" algn="tl">
+                    <a:srgbClr val="000000">
+                      <a:alpha val="43137"/>
+                    </a:srgbClr>
+                  </a:outerShdw>
+                </a:effectLst>
+              </a:rPr>
+              <a:t>e-s22</a:t>
+            </a:r>
           </a:p>
         </p:txBody>
       </p:sp>
@@ -3419,6 +4810,14 @@
 <file path=ppt/slides/slide2.xml><?xml version="1.0" encoding="utf-8"?>
 <p:sld xmlns:a="http://schemas.openxmlformats.org/drawingml/2006/main" xmlns:r="http://schemas.openxmlformats.org/officeDocument/2006/relationships" xmlns:p="http://schemas.openxmlformats.org/presentationml/2006/main">
   <p:cSld>
+    <p:bg>
+      <p:bgPr>
+        <a:solidFill>
+          <a:schemeClr val="bg1"/>
+        </a:solidFill>
+        <a:effectLst/>
+      </p:bgPr>
+    </p:bg>
     <p:spTree>
       <p:nvGrpSpPr>
         <p:cNvPr id="1" name=""/>
@@ -3433,6 +4832,386 @@
           <a:chExt cx="0" cy="0"/>
         </a:xfrm>
       </p:grpSpPr>
+      <p:pic>
+        <p:nvPicPr>
+          <p:cNvPr id="4" name="Picture 2" descr="ÐÐ¾Ñ+Ð¾Ð¶ÐµÐµ Ð¸Ð·Ð¾Ð±ÑÐ°Ð¶ÐµÐ½Ð¸Ðµ">
+            <a:extLst>
+              <a:ext uri="{FF2B5EF4-FFF2-40B4-BE49-F238E27FC236}">
+                <a16:creationId xmlns:a16="http://schemas.microsoft.com/office/drawing/2014/main" id="{649C02E7-899B-481E-AE4D-ED6D0FF08A60}"/>
+              </a:ext>
+            </a:extLst>
+          </p:cNvPr>
+          <p:cNvPicPr>
+            <a:picLocks noChangeAspect="1" noChangeArrowheads="1"/>
+          </p:cNvPicPr>
+          <p:nvPr/>
+        </p:nvPicPr>
+        <p:blipFill rotWithShape="1">
+          <a:blip r:embed="rId2">
+            <a:extLst>
+              <a:ext uri="{28A0092B-C50C-407E-A947-70E740481C1C}">
+                <a14:useLocalDpi xmlns:a14="http://schemas.microsoft.com/office/drawing/2010/main" val="0"/>
+              </a:ext>
+            </a:extLst>
+          </a:blip>
+          <a:srcRect t="25000"/>
+          <a:stretch/>
+        </p:blipFill>
+        <p:spPr bwMode="auto">
+          <a:xfrm>
+            <a:off x="20" y="10"/>
+            <a:ext cx="12191980" cy="6857990"/>
+          </a:xfrm>
+          <a:prstGeom prst="rect">
+            <a:avLst/>
+          </a:prstGeom>
+          <a:noFill/>
+          <a:extLst>
+            <a:ext uri="{909E8E84-426E-40DD-AFC4-6F175D3DCCD1}">
+              <a14:hiddenFill xmlns:a14="http://schemas.microsoft.com/office/drawing/2010/main">
+                <a:solidFill>
+                  <a:srgbClr val="FFFFFF"/>
+                </a:solidFill>
+              </a14:hiddenFill>
+            </a:ext>
+          </a:extLst>
+        </p:spPr>
+      </p:pic>
+      <p:sp>
+        <p:nvSpPr>
+          <p:cNvPr id="9" name="Freeform: Shape 8">
+            <a:extLst>
+              <a:ext uri="{FF2B5EF4-FFF2-40B4-BE49-F238E27FC236}">
+                <a16:creationId xmlns:a16="http://schemas.microsoft.com/office/drawing/2014/main" id="{E862BE82-D00D-42C1-BF16-93AA37870C32}"/>
+              </a:ext>
+              <a:ext uri="{C183D7F6-B498-43B3-948B-1728B52AA6E4}">
+                <adec:decorative xmlns:adec="http://schemas.microsoft.com/office/drawing/2017/decorative" val="1"/>
+              </a:ext>
+            </a:extLst>
+          </p:cNvPr>
+          <p:cNvSpPr>
+            <a:spLocks noGrp="1" noRot="1" noChangeAspect="1" noMove="1" noResize="1" noEditPoints="1" noAdjustHandles="1" noChangeArrowheads="1" noChangeShapeType="1" noTextEdit="1"/>
+          </p:cNvSpPr>
+          <p:nvPr>
+            <p:extLst>
+              <p:ext uri="{386F3935-93C4-4BCD-93E2-E3B085C9AB24}">
+                <p16:designElem xmlns:p16="http://schemas.microsoft.com/office/powerpoint/2015/main" val="1"/>
+              </p:ext>
+            </p:extLst>
+          </p:nvPr>
+        </p:nvSpPr>
+        <p:spPr>
+          <a:xfrm>
+            <a:off x="0" y="-2008"/>
+            <a:ext cx="5609220" cy="5840278"/>
+          </a:xfrm>
+          <a:custGeom>
+            <a:avLst/>
+            <a:gdLst>
+              <a:gd name="connsiteX0" fmla="*/ 0 w 5609220"/>
+              <a:gd name="connsiteY0" fmla="*/ 0 h 5840278"/>
+              <a:gd name="connsiteX1" fmla="*/ 4637091 w 5609220"/>
+              <a:gd name="connsiteY1" fmla="*/ 0 h 5840278"/>
+              <a:gd name="connsiteX2" fmla="*/ 4822569 w 5609220"/>
+              <a:gd name="connsiteY2" fmla="*/ 204077 h 5840278"/>
+              <a:gd name="connsiteX3" fmla="*/ 5609220 w 5609220"/>
+              <a:gd name="connsiteY3" fmla="*/ 2395363 h 5840278"/>
+              <a:gd name="connsiteX4" fmla="*/ 2164305 w 5609220"/>
+              <a:gd name="connsiteY4" fmla="*/ 5840278 h 5840278"/>
+              <a:gd name="connsiteX5" fmla="*/ 238220 w 5609220"/>
+              <a:gd name="connsiteY5" fmla="*/ 5251941 h 5840278"/>
+              <a:gd name="connsiteX6" fmla="*/ 0 w 5609220"/>
+              <a:gd name="connsiteY6" fmla="*/ 5073803 h 5840278"/>
+            </a:gdLst>
+            <a:ahLst/>
+            <a:cxnLst>
+              <a:cxn ang="0">
+                <a:pos x="connsiteX0" y="connsiteY0"/>
+              </a:cxn>
+              <a:cxn ang="0">
+                <a:pos x="connsiteX1" y="connsiteY1"/>
+              </a:cxn>
+              <a:cxn ang="0">
+                <a:pos x="connsiteX2" y="connsiteY2"/>
+              </a:cxn>
+              <a:cxn ang="0">
+                <a:pos x="connsiteX3" y="connsiteY3"/>
+              </a:cxn>
+              <a:cxn ang="0">
+                <a:pos x="connsiteX4" y="connsiteY4"/>
+              </a:cxn>
+              <a:cxn ang="0">
+                <a:pos x="connsiteX5" y="connsiteY5"/>
+              </a:cxn>
+              <a:cxn ang="0">
+                <a:pos x="connsiteX6" y="connsiteY6"/>
+              </a:cxn>
+            </a:cxnLst>
+            <a:rect l="l" t="t" r="r" b="b"/>
+            <a:pathLst>
+              <a:path w="5609220" h="5840278">
+                <a:moveTo>
+                  <a:pt x="0" y="0"/>
+                </a:moveTo>
+                <a:lnTo>
+                  <a:pt x="4637091" y="0"/>
+                </a:lnTo>
+                <a:lnTo>
+                  <a:pt x="4822569" y="204077"/>
+                </a:lnTo>
+                <a:cubicBezTo>
+                  <a:pt x="5314007" y="799562"/>
+                  <a:pt x="5609220" y="1562987"/>
+                  <a:pt x="5609220" y="2395363"/>
+                </a:cubicBezTo>
+                <a:cubicBezTo>
+                  <a:pt x="5609220" y="4297937"/>
+                  <a:pt x="4066879" y="5840278"/>
+                  <a:pt x="2164305" y="5840278"/>
+                </a:cubicBezTo>
+                <a:cubicBezTo>
+                  <a:pt x="1450840" y="5840278"/>
+                  <a:pt x="788032" y="5623387"/>
+                  <a:pt x="238220" y="5251941"/>
+                </a:cubicBezTo>
+                <a:lnTo>
+                  <a:pt x="0" y="5073803"/>
+                </a:lnTo>
+                <a:close/>
+              </a:path>
+            </a:pathLst>
+          </a:custGeom>
+          <a:solidFill>
+            <a:schemeClr val="bg1">
+              <a:alpha val="50000"/>
+            </a:schemeClr>
+          </a:solidFill>
+          <a:ln>
+            <a:noFill/>
+          </a:ln>
+        </p:spPr>
+        <p:style>
+          <a:lnRef idx="2">
+            <a:schemeClr val="accent1">
+              <a:shade val="50000"/>
+            </a:schemeClr>
+          </a:lnRef>
+          <a:fillRef idx="1">
+            <a:schemeClr val="accent1"/>
+          </a:fillRef>
+          <a:effectRef idx="0">
+            <a:schemeClr val="accent1"/>
+          </a:effectRef>
+          <a:fontRef idx="minor">
+            <a:schemeClr val="lt1"/>
+          </a:fontRef>
+        </p:style>
+        <p:txBody>
+          <a:bodyPr rtlCol="0" anchor="ctr"/>
+          <a:lstStyle/>
+          <a:p>
+            <a:pPr marL="0" marR="0" lvl="0" indent="0" algn="ctr" defTabSz="914400" rtl="0" eaLnBrk="1" fontAlgn="auto" latinLnBrk="0" hangingPunct="1">
+              <a:lnSpc>
+                <a:spcPct val="100000"/>
+              </a:lnSpc>
+              <a:spcBef>
+                <a:spcPts val="0"/>
+              </a:spcBef>
+              <a:spcAft>
+                <a:spcPts val="0"/>
+              </a:spcAft>
+              <a:buClrTx/>
+              <a:buSzTx/>
+              <a:buFontTx/>
+              <a:buNone/>
+              <a:tabLst/>
+              <a:defRPr/>
+            </a:pPr>
+            <a:endParaRPr kumimoji="0" lang="en-US" sz="1800" b="0" i="0" u="none" strike="noStrike" kern="1200" cap="none" spc="0" normalizeH="0" baseline="0" noProof="0">
+              <a:ln>
+                <a:noFill/>
+              </a:ln>
+              <a:solidFill>
+                <a:prstClr val="white"/>
+              </a:solidFill>
+              <a:effectLst/>
+              <a:uLnTx/>
+              <a:uFillTx/>
+              <a:latin typeface="Calibri" panose="020F0502020204030204"/>
+              <a:ea typeface="+mn-ea"/>
+              <a:cs typeface="+mn-cs"/>
+            </a:endParaRPr>
+          </a:p>
+        </p:txBody>
+      </p:sp>
+      <p:sp>
+        <p:nvSpPr>
+          <p:cNvPr id="11" name="Freeform: Shape 10">
+            <a:extLst>
+              <a:ext uri="{FF2B5EF4-FFF2-40B4-BE49-F238E27FC236}">
+                <a16:creationId xmlns:a16="http://schemas.microsoft.com/office/drawing/2014/main" id="{F6D92C2D-1D3D-4974-918C-06579FB354A9}"/>
+              </a:ext>
+              <a:ext uri="{C183D7F6-B498-43B3-948B-1728B52AA6E4}">
+                <adec:decorative xmlns:adec="http://schemas.microsoft.com/office/drawing/2017/decorative" val="1"/>
+              </a:ext>
+            </a:extLst>
+          </p:cNvPr>
+          <p:cNvSpPr>
+            <a:spLocks noGrp="1" noRot="1" noChangeAspect="1" noMove="1" noResize="1" noEditPoints="1" noAdjustHandles="1" noChangeArrowheads="1" noChangeShapeType="1" noTextEdit="1"/>
+          </p:cNvSpPr>
+          <p:nvPr>
+            <p:extLst>
+              <p:ext uri="{386F3935-93C4-4BCD-93E2-E3B085C9AB24}">
+                <p16:designElem xmlns:p16="http://schemas.microsoft.com/office/powerpoint/2015/main" val="1"/>
+              </p:ext>
+            </p:extLst>
+          </p:nvPr>
+        </p:nvSpPr>
+        <p:spPr>
+          <a:xfrm>
+            <a:off x="-2333" y="-2"/>
+            <a:ext cx="5441859" cy="5654940"/>
+          </a:xfrm>
+          <a:custGeom>
+            <a:avLst/>
+            <a:gdLst>
+              <a:gd name="connsiteX0" fmla="*/ 0 w 5441859"/>
+              <a:gd name="connsiteY0" fmla="*/ 0 h 5654940"/>
+              <a:gd name="connsiteX1" fmla="*/ 4400492 w 5441859"/>
+              <a:gd name="connsiteY1" fmla="*/ 0 h 5654940"/>
+              <a:gd name="connsiteX2" fmla="*/ 4484767 w 5441859"/>
+              <a:gd name="connsiteY2" fmla="*/ 76595 h 5654940"/>
+              <a:gd name="connsiteX3" fmla="*/ 5441859 w 5441859"/>
+              <a:gd name="connsiteY3" fmla="*/ 2387221 h 5654940"/>
+              <a:gd name="connsiteX4" fmla="*/ 2174140 w 5441859"/>
+              <a:gd name="connsiteY4" fmla="*/ 5654940 h 5654940"/>
+              <a:gd name="connsiteX5" fmla="*/ 156693 w 5441859"/>
+              <a:gd name="connsiteY5" fmla="*/ 4957981 h 5654940"/>
+              <a:gd name="connsiteX6" fmla="*/ 0 w 5441859"/>
+              <a:gd name="connsiteY6" fmla="*/ 4820612 h 5654940"/>
+            </a:gdLst>
+            <a:ahLst/>
+            <a:cxnLst>
+              <a:cxn ang="0">
+                <a:pos x="connsiteX0" y="connsiteY0"/>
+              </a:cxn>
+              <a:cxn ang="0">
+                <a:pos x="connsiteX1" y="connsiteY1"/>
+              </a:cxn>
+              <a:cxn ang="0">
+                <a:pos x="connsiteX2" y="connsiteY2"/>
+              </a:cxn>
+              <a:cxn ang="0">
+                <a:pos x="connsiteX3" y="connsiteY3"/>
+              </a:cxn>
+              <a:cxn ang="0">
+                <a:pos x="connsiteX4" y="connsiteY4"/>
+              </a:cxn>
+              <a:cxn ang="0">
+                <a:pos x="connsiteX5" y="connsiteY5"/>
+              </a:cxn>
+              <a:cxn ang="0">
+                <a:pos x="connsiteX6" y="connsiteY6"/>
+              </a:cxn>
+            </a:cxnLst>
+            <a:rect l="l" t="t" r="r" b="b"/>
+            <a:pathLst>
+              <a:path w="5441859" h="5654940">
+                <a:moveTo>
+                  <a:pt x="0" y="0"/>
+                </a:moveTo>
+                <a:lnTo>
+                  <a:pt x="4400492" y="0"/>
+                </a:lnTo>
+                <a:lnTo>
+                  <a:pt x="4484767" y="76595"/>
+                </a:lnTo>
+                <a:cubicBezTo>
+                  <a:pt x="5076108" y="667936"/>
+                  <a:pt x="5441859" y="1484866"/>
+                  <a:pt x="5441859" y="2387221"/>
+                </a:cubicBezTo>
+                <a:cubicBezTo>
+                  <a:pt x="5441859" y="4191932"/>
+                  <a:pt x="3978851" y="5654940"/>
+                  <a:pt x="2174140" y="5654940"/>
+                </a:cubicBezTo>
+                <a:cubicBezTo>
+                  <a:pt x="1412778" y="5654940"/>
+                  <a:pt x="712231" y="5394557"/>
+                  <a:pt x="156693" y="4957981"/>
+                </a:cubicBezTo>
+                <a:lnTo>
+                  <a:pt x="0" y="4820612"/>
+                </a:lnTo>
+                <a:close/>
+              </a:path>
+            </a:pathLst>
+          </a:custGeom>
+          <a:solidFill>
+            <a:schemeClr val="bg1">
+              <a:alpha val="75000"/>
+            </a:schemeClr>
+          </a:solidFill>
+          <a:ln>
+            <a:noFill/>
+          </a:ln>
+        </p:spPr>
+        <p:style>
+          <a:lnRef idx="2">
+            <a:schemeClr val="accent1">
+              <a:shade val="50000"/>
+            </a:schemeClr>
+          </a:lnRef>
+          <a:fillRef idx="1">
+            <a:schemeClr val="accent1"/>
+          </a:fillRef>
+          <a:effectRef idx="0">
+            <a:schemeClr val="accent1"/>
+          </a:effectRef>
+          <a:fontRef idx="minor">
+            <a:schemeClr val="lt1"/>
+          </a:fontRef>
+        </p:style>
+        <p:txBody>
+          <a:bodyPr rtlCol="0" anchor="ctr"/>
+          <a:lstStyle/>
+          <a:p>
+            <a:pPr marL="0" marR="0" lvl="0" indent="0" algn="ctr" defTabSz="914400" rtl="0" eaLnBrk="1" fontAlgn="auto" latinLnBrk="0" hangingPunct="1">
+              <a:lnSpc>
+                <a:spcPct val="100000"/>
+              </a:lnSpc>
+              <a:spcBef>
+                <a:spcPts val="0"/>
+              </a:spcBef>
+              <a:spcAft>
+                <a:spcPts val="0"/>
+              </a:spcAft>
+              <a:buClrTx/>
+              <a:buSzTx/>
+              <a:buFontTx/>
+              <a:buNone/>
+              <a:tabLst/>
+              <a:defRPr/>
+            </a:pPr>
+            <a:endParaRPr kumimoji="0" lang="en-US" sz="1800" b="0" i="0" u="none" strike="noStrike" kern="1200" cap="none" spc="0" normalizeH="0" baseline="0" noProof="0" dirty="0">
+              <a:ln>
+                <a:noFill/>
+              </a:ln>
+              <a:solidFill>
+                <a:prstClr val="white"/>
+              </a:solidFill>
+              <a:effectLst/>
+              <a:uLnTx/>
+              <a:uFillTx/>
+              <a:latin typeface="Calibri" panose="020F0502020204030204"/>
+              <a:ea typeface="+mn-ea"/>
+              <a:cs typeface="+mn-cs"/>
+            </a:endParaRPr>
+          </a:p>
+        </p:txBody>
+      </p:sp>
       <p:sp>
         <p:nvSpPr>
           <p:cNvPr id="2" name="Title 1">
@@ -3449,16 +5228,23 @@
             <p:ph type="title"/>
           </p:nvPr>
         </p:nvSpPr>
-        <p:spPr/>
-        <p:txBody>
-          <a:bodyPr/>
-          <a:lstStyle/>
-          <a:p>
-            <a:r>
-              <a:rPr lang="en-US" dirty="0"/>
+        <p:spPr>
+          <a:xfrm>
+            <a:off x="520242" y="647892"/>
+            <a:ext cx="4062643" cy="1043409"/>
+          </a:xfrm>
+        </p:spPr>
+        <p:txBody>
+          <a:bodyPr>
+            <a:normAutofit/>
+          </a:bodyPr>
+          <a:lstStyle/>
+          <a:p>
+            <a:r>
+              <a:rPr lang="en-US" sz="3300" dirty="0"/>
               <a:t>Introduction about the project</a:t>
             </a:r>
-            <a:endParaRPr lang="LID4096" dirty="0"/>
+            <a:endParaRPr lang="LID4096" sz="3300" dirty="0"/>
           </a:p>
         </p:txBody>
       </p:sp>
@@ -3478,12 +5264,19 @@
             <p:ph idx="1"/>
           </p:nvPr>
         </p:nvSpPr>
-        <p:spPr/>
-        <p:txBody>
-          <a:bodyPr/>
-          <a:lstStyle/>
-          <a:p>
-            <a:endParaRPr lang="LID4096" dirty="0"/>
+        <p:spPr>
+          <a:xfrm>
+            <a:off x="520242" y="1774372"/>
+            <a:ext cx="4062642" cy="2754086"/>
+          </a:xfrm>
+        </p:spPr>
+        <p:txBody>
+          <a:bodyPr anchor="t">
+            <a:normAutofit/>
+          </a:bodyPr>
+          <a:lstStyle/>
+          <a:p>
+            <a:endParaRPr lang="LID4096" sz="1800"/>
           </a:p>
         </p:txBody>
       </p:sp>
